--- a/PPTs/Ziyarat Aminallah.pptx
+++ b/PPTs/Ziyarat Aminallah.pptx
@@ -4968,95 +4968,6 @@
           </p:spPr>
         </p:pic>
       </p:grpSp>
-      <p:sp>
-        <p:nvSpPr>
-          <p:cNvPr id="2" name="Slide Number Placeholder 1">
-            <a:extLst>
-              <a:ext uri="{FF2B5EF4-FFF2-40B4-BE49-F238E27FC236}">
-                <a16:creationId xmlns:a16="http://schemas.microsoft.com/office/drawing/2014/main" id="{837C4EDA-A509-BB32-2953-59C94A37AC12}"/>
-              </a:ext>
-            </a:extLst>
-          </p:cNvPr>
-          <p:cNvSpPr>
-            <a:spLocks noGrp="1"/>
-          </p:cNvSpPr>
-          <p:nvPr>
-            <p:ph type="sldNum" sz="quarter" idx="12"/>
-          </p:nvPr>
-        </p:nvSpPr>
-        <p:spPr/>
-        <p:txBody>
-          <a:bodyPr/>
-          <a:lstStyle/>
-          <a:p>
-            <a:pPr marL="0" marR="0" lvl="0" indent="0" algn="r" defTabSz="914400" rtl="0" eaLnBrk="1" fontAlgn="auto" latinLnBrk="0" hangingPunct="1">
-              <a:lnSpc>
-                <a:spcPct val="100000"/>
-              </a:lnSpc>
-              <a:spcBef>
-                <a:spcPts val="0"/>
-              </a:spcBef>
-              <a:spcAft>
-                <a:spcPts val="0"/>
-              </a:spcAft>
-              <a:buClrTx/>
-              <a:buSzTx/>
-              <a:buFontTx/>
-              <a:buNone/>
-              <a:tabLst/>
-              <a:defRPr/>
-            </a:pPr>
-            <a:fld id="{483B47EA-5D2D-44B5-B00B-9EB09598820D}" type="slidenum">
-              <a:rPr kumimoji="0" lang="ar-SA" altLang="en-US" sz="1400" b="0" i="0" u="none" strike="noStrike" kern="1200" cap="none" spc="0" normalizeH="0" baseline="0" noProof="0" smtClean="0">
-                <a:ln>
-                  <a:noFill/>
-                </a:ln>
-                <a:solidFill>
-                  <a:srgbClr val="000066"/>
-                </a:solidFill>
-                <a:effectLst/>
-                <a:uLnTx/>
-                <a:uFillTx/>
-                <a:latin typeface="Calibri Light" panose="020F0302020204030204" pitchFamily="34" charset="0"/>
-                <a:ea typeface="+mn-ea"/>
-                <a:cs typeface="Calibri Light" panose="020F0302020204030204" pitchFamily="34" charset="0"/>
-              </a:rPr>
-              <a:pPr marL="0" marR="0" lvl="0" indent="0" algn="r" defTabSz="914400" rtl="0" eaLnBrk="1" fontAlgn="auto" latinLnBrk="0" hangingPunct="1">
-                <a:lnSpc>
-                  <a:spcPct val="100000"/>
-                </a:lnSpc>
-                <a:spcBef>
-                  <a:spcPts val="0"/>
-                </a:spcBef>
-                <a:spcAft>
-                  <a:spcPts val="0"/>
-                </a:spcAft>
-                <a:buClrTx/>
-                <a:buSzTx/>
-                <a:buFontTx/>
-                <a:buNone/>
-                <a:tabLst/>
-                <a:defRPr/>
-              </a:pPr>
-              <a:t>1</a:t>
-            </a:fld>
-            <a:endParaRPr kumimoji="0" lang="en-US" altLang="en-US" sz="1400" b="0" i="0" u="none" strike="noStrike" kern="1200" cap="none" spc="0" normalizeH="0" baseline="0" noProof="0" dirty="0">
-              <a:ln>
-                <a:noFill/>
-              </a:ln>
-              <a:solidFill>
-                <a:srgbClr val="000066"/>
-              </a:solidFill>
-              <a:effectLst/>
-              <a:uLnTx/>
-              <a:uFillTx/>
-              <a:latin typeface="Calibri Light" panose="020F0302020204030204" pitchFamily="34" charset="0"/>
-              <a:ea typeface="+mn-ea"/>
-              <a:cs typeface="Calibri Light" panose="020F0302020204030204" pitchFamily="34" charset="0"/>
-            </a:endParaRPr>
-          </a:p>
-        </p:txBody>
-      </p:sp>
     </p:spTree>
     <p:extLst>
       <p:ext uri="{BB962C8B-B14F-4D97-AF65-F5344CB8AC3E}">

--- a/PPTs/Ziyarat Aminallah.pptx
+++ b/PPTs/Ziyarat Aminallah.pptx
@@ -459,9 +459,18 @@
   <p:clrMapOvr>
     <a:masterClrMapping/>
   </p:clrMapOvr>
-  <p:transition>
-    <p:fade/>
-  </p:transition>
+  <mc:AlternateContent xmlns:mc="http://schemas.openxmlformats.org/markup-compatibility/2006">
+    <mc:Choice xmlns:p14="http://schemas.microsoft.com/office/powerpoint/2010/main" Requires="p14">
+      <p:transition p14:dur="300">
+        <p:fade/>
+      </p:transition>
+    </mc:Choice>
+    <mc:Fallback>
+      <p:transition>
+        <p:fade/>
+      </p:transition>
+    </mc:Fallback>
+  </mc:AlternateContent>
   <p:extLst>
     <p:ext uri="{DCECCB84-F9BA-43D5-87BE-67443E8EF086}">
       <p15:sldGuideLst xmlns:p15="http://schemas.microsoft.com/office/powerpoint/2012/main">
@@ -705,9 +714,18 @@
   <p:clrMapOvr>
     <a:masterClrMapping/>
   </p:clrMapOvr>
-  <p:transition>
-    <p:fade/>
-  </p:transition>
+  <mc:AlternateContent xmlns:mc="http://schemas.openxmlformats.org/markup-compatibility/2006">
+    <mc:Choice xmlns:p14="http://schemas.microsoft.com/office/powerpoint/2010/main" Requires="p14">
+      <p:transition p14:dur="300">
+        <p:fade/>
+      </p:transition>
+    </mc:Choice>
+    <mc:Fallback>
+      <p:transition>
+        <p:fade/>
+      </p:transition>
+    </mc:Fallback>
+  </mc:AlternateContent>
 </p:sldLayout>
 </file>
 
@@ -945,9 +963,18 @@
   <p:clrMapOvr>
     <a:masterClrMapping/>
   </p:clrMapOvr>
-  <p:transition>
-    <p:fade/>
-  </p:transition>
+  <mc:AlternateContent xmlns:mc="http://schemas.openxmlformats.org/markup-compatibility/2006">
+    <mc:Choice xmlns:p14="http://schemas.microsoft.com/office/powerpoint/2010/main" Requires="p14">
+      <p:transition p14:dur="300">
+        <p:fade/>
+      </p:transition>
+    </mc:Choice>
+    <mc:Fallback>
+      <p:transition>
+        <p:fade/>
+      </p:transition>
+    </mc:Fallback>
+  </mc:AlternateContent>
 </p:sldLayout>
 </file>
 
@@ -1111,9 +1138,18 @@
   <p:clrMapOvr>
     <a:masterClrMapping/>
   </p:clrMapOvr>
-  <p:transition>
-    <p:fade/>
-  </p:transition>
+  <mc:AlternateContent xmlns:mc="http://schemas.openxmlformats.org/markup-compatibility/2006">
+    <mc:Choice xmlns:p14="http://schemas.microsoft.com/office/powerpoint/2010/main" Requires="p14">
+      <p:transition p14:dur="300">
+        <p:fade/>
+      </p:transition>
+    </mc:Choice>
+    <mc:Fallback>
+      <p:transition>
+        <p:fade/>
+      </p:transition>
+    </mc:Fallback>
+  </mc:AlternateContent>
 </p:sldLayout>
 </file>
 
@@ -1341,9 +1377,18 @@
   <p:clrMapOvr>
     <a:masterClrMapping/>
   </p:clrMapOvr>
-  <p:transition>
-    <p:fade/>
-  </p:transition>
+  <mc:AlternateContent xmlns:mc="http://schemas.openxmlformats.org/markup-compatibility/2006">
+    <mc:Choice xmlns:p14="http://schemas.microsoft.com/office/powerpoint/2010/main" Requires="p14">
+      <p:transition p14:dur="300">
+        <p:fade/>
+      </p:transition>
+    </mc:Choice>
+    <mc:Fallback>
+      <p:transition>
+        <p:fade/>
+      </p:transition>
+    </mc:Fallback>
+  </mc:AlternateContent>
   <p:extLst>
     <p:ext uri="{DCECCB84-F9BA-43D5-87BE-67443E8EF086}">
       <p15:sldGuideLst xmlns:p15="http://schemas.microsoft.com/office/powerpoint/2012/main">
@@ -1590,9 +1635,18 @@
   <p:clrMapOvr>
     <a:masterClrMapping/>
   </p:clrMapOvr>
-  <p:transition>
-    <p:fade/>
-  </p:transition>
+  <mc:AlternateContent xmlns:mc="http://schemas.openxmlformats.org/markup-compatibility/2006">
+    <mc:Choice xmlns:p14="http://schemas.microsoft.com/office/powerpoint/2010/main" Requires="p14">
+      <p:transition p14:dur="300">
+        <p:fade/>
+      </p:transition>
+    </mc:Choice>
+    <mc:Fallback>
+      <p:transition>
+        <p:fade/>
+      </p:transition>
+    </mc:Fallback>
+  </mc:AlternateContent>
 </p:sldLayout>
 </file>
 
@@ -1921,9 +1975,18 @@
   <p:clrMapOvr>
     <a:masterClrMapping/>
   </p:clrMapOvr>
-  <p:transition>
-    <p:fade/>
-  </p:transition>
+  <mc:AlternateContent xmlns:mc="http://schemas.openxmlformats.org/markup-compatibility/2006">
+    <mc:Choice xmlns:p14="http://schemas.microsoft.com/office/powerpoint/2010/main" Requires="p14">
+      <p:transition p14:dur="300">
+        <p:fade/>
+      </p:transition>
+    </mc:Choice>
+    <mc:Fallback>
+      <p:transition>
+        <p:fade/>
+      </p:transition>
+    </mc:Fallback>
+  </mc:AlternateContent>
 </p:sldLayout>
 </file>
 
@@ -2382,9 +2445,18 @@
   <p:clrMapOvr>
     <a:masterClrMapping/>
   </p:clrMapOvr>
-  <p:transition>
-    <p:fade/>
-  </p:transition>
+  <mc:AlternateContent xmlns:mc="http://schemas.openxmlformats.org/markup-compatibility/2006">
+    <mc:Choice xmlns:p14="http://schemas.microsoft.com/office/powerpoint/2010/main" Requires="p14">
+      <p:transition p14:dur="300">
+        <p:fade/>
+      </p:transition>
+    </mc:Choice>
+    <mc:Fallback>
+      <p:transition>
+        <p:fade/>
+      </p:transition>
+    </mc:Fallback>
+  </mc:AlternateContent>
 </p:sldLayout>
 </file>
 
@@ -2545,9 +2617,18 @@
   <p:clrMapOvr>
     <a:masterClrMapping/>
   </p:clrMapOvr>
-  <p:transition>
-    <p:fade/>
-  </p:transition>
+  <mc:AlternateContent xmlns:mc="http://schemas.openxmlformats.org/markup-compatibility/2006">
+    <mc:Choice xmlns:p14="http://schemas.microsoft.com/office/powerpoint/2010/main" Requires="p14">
+      <p:transition p14:dur="300">
+        <p:fade/>
+      </p:transition>
+    </mc:Choice>
+    <mc:Fallback>
+      <p:transition>
+        <p:fade/>
+      </p:transition>
+    </mc:Fallback>
+  </mc:AlternateContent>
 </p:sldLayout>
 </file>
 
@@ -2682,9 +2763,18 @@
   <p:clrMapOvr>
     <a:masterClrMapping/>
   </p:clrMapOvr>
-  <p:transition>
-    <p:fade/>
-  </p:transition>
+  <mc:AlternateContent xmlns:mc="http://schemas.openxmlformats.org/markup-compatibility/2006">
+    <mc:Choice xmlns:p14="http://schemas.microsoft.com/office/powerpoint/2010/main" Requires="p14">
+      <p:transition p14:dur="300">
+        <p:fade/>
+      </p:transition>
+    </mc:Choice>
+    <mc:Fallback>
+      <p:transition>
+        <p:fade/>
+      </p:transition>
+    </mc:Fallback>
+  </mc:AlternateContent>
 </p:sldLayout>
 </file>
 
@@ -2999,9 +3089,18 @@
   <p:clrMapOvr>
     <a:masterClrMapping/>
   </p:clrMapOvr>
-  <p:transition>
-    <p:fade/>
-  </p:transition>
+  <mc:AlternateContent xmlns:mc="http://schemas.openxmlformats.org/markup-compatibility/2006">
+    <mc:Choice xmlns:p14="http://schemas.microsoft.com/office/powerpoint/2010/main" Requires="p14">
+      <p:transition p14:dur="300">
+        <p:fade/>
+      </p:transition>
+    </mc:Choice>
+    <mc:Fallback>
+      <p:transition>
+        <p:fade/>
+      </p:transition>
+    </mc:Fallback>
+  </mc:AlternateContent>
 </p:sldLayout>
 </file>
 
@@ -3294,9 +3393,18 @@
   <p:clrMapOvr>
     <a:masterClrMapping/>
   </p:clrMapOvr>
-  <p:transition>
-    <p:fade/>
-  </p:transition>
+  <mc:AlternateContent xmlns:mc="http://schemas.openxmlformats.org/markup-compatibility/2006">
+    <mc:Choice xmlns:p14="http://schemas.microsoft.com/office/powerpoint/2010/main" Requires="p14">
+      <p:transition p14:dur="300">
+        <p:fade/>
+      </p:transition>
+    </mc:Choice>
+    <mc:Fallback>
+      <p:transition>
+        <p:fade/>
+      </p:transition>
+    </mc:Fallback>
+  </mc:AlternateContent>
 </p:sldLayout>
 </file>
 
@@ -3774,9 +3882,18 @@
     <p:sldLayoutId id="2147483683" r:id="rId11"/>
     <p:sldLayoutId id="2147483684" r:id="rId12"/>
   </p:sldLayoutIdLst>
-  <p:transition>
-    <p:fade/>
-  </p:transition>
+  <mc:AlternateContent xmlns:mc="http://schemas.openxmlformats.org/markup-compatibility/2006">
+    <mc:Choice xmlns:p14="http://schemas.microsoft.com/office/powerpoint/2010/main" Requires="p14">
+      <p:transition p14:dur="300">
+        <p:fade/>
+      </p:transition>
+    </mc:Choice>
+    <mc:Fallback>
+      <p:transition>
+        <p:fade/>
+      </p:transition>
+    </mc:Fallback>
+  </mc:AlternateContent>
   <p:hf hdr="0" ftr="0" dt="0"/>
   <p:txStyles>
     <p:titleStyle>
@@ -4978,9 +5095,18 @@
   <p:clrMapOvr>
     <a:masterClrMapping/>
   </p:clrMapOvr>
-  <p:transition>
-    <p:fade/>
-  </p:transition>
+  <mc:AlternateContent xmlns:mc="http://schemas.openxmlformats.org/markup-compatibility/2006">
+    <mc:Choice xmlns:p14="http://schemas.microsoft.com/office/powerpoint/2010/main" Requires="p14">
+      <p:transition p14:dur="300">
+        <p:fade/>
+      </p:transition>
+    </mc:Choice>
+    <mc:Fallback>
+      <p:transition>
+        <p:fade/>
+      </p:transition>
+    </mc:Fallback>
+  </mc:AlternateContent>
 </p:sld>
 </file>
 
@@ -5111,9 +5237,18 @@
   <p:clrMapOvr>
     <a:masterClrMapping/>
   </p:clrMapOvr>
-  <p:transition>
-    <p:fade/>
-  </p:transition>
+  <mc:AlternateContent xmlns:mc="http://schemas.openxmlformats.org/markup-compatibility/2006">
+    <mc:Choice xmlns:p14="http://schemas.microsoft.com/office/powerpoint/2010/main" Requires="p14">
+      <p:transition p14:dur="300">
+        <p:fade/>
+      </p:transition>
+    </mc:Choice>
+    <mc:Fallback>
+      <p:transition>
+        <p:fade/>
+      </p:transition>
+    </mc:Fallback>
+  </mc:AlternateContent>
 </p:sld>
 </file>
 
@@ -5238,9 +5373,18 @@
   <p:clrMapOvr>
     <a:masterClrMapping/>
   </p:clrMapOvr>
-  <p:transition>
-    <p:fade/>
-  </p:transition>
+  <mc:AlternateContent xmlns:mc="http://schemas.openxmlformats.org/markup-compatibility/2006">
+    <mc:Choice xmlns:p14="http://schemas.microsoft.com/office/powerpoint/2010/main" Requires="p14">
+      <p:transition p14:dur="300">
+        <p:fade/>
+      </p:transition>
+    </mc:Choice>
+    <mc:Fallback>
+      <p:transition>
+        <p:fade/>
+      </p:transition>
+    </mc:Fallback>
+  </mc:AlternateContent>
 </p:sld>
 </file>
 
@@ -5353,9 +5497,18 @@
   <p:clrMapOvr>
     <a:masterClrMapping/>
   </p:clrMapOvr>
-  <p:transition>
-    <p:fade/>
-  </p:transition>
+  <mc:AlternateContent xmlns:mc="http://schemas.openxmlformats.org/markup-compatibility/2006">
+    <mc:Choice xmlns:p14="http://schemas.microsoft.com/office/powerpoint/2010/main" Requires="p14">
+      <p:transition p14:dur="300">
+        <p:fade/>
+      </p:transition>
+    </mc:Choice>
+    <mc:Fallback>
+      <p:transition>
+        <p:fade/>
+      </p:transition>
+    </mc:Fallback>
+  </mc:AlternateContent>
 </p:sld>
 </file>
 
@@ -5474,9 +5627,18 @@
   <p:clrMapOvr>
     <a:masterClrMapping/>
   </p:clrMapOvr>
-  <p:transition>
-    <p:fade/>
-  </p:transition>
+  <mc:AlternateContent xmlns:mc="http://schemas.openxmlformats.org/markup-compatibility/2006">
+    <mc:Choice xmlns:p14="http://schemas.microsoft.com/office/powerpoint/2010/main" Requires="p14">
+      <p:transition p14:dur="300">
+        <p:fade/>
+      </p:transition>
+    </mc:Choice>
+    <mc:Fallback>
+      <p:transition>
+        <p:fade/>
+      </p:transition>
+    </mc:Fallback>
+  </mc:AlternateContent>
 </p:sld>
 </file>
 
@@ -5613,9 +5775,18 @@
   <p:clrMapOvr>
     <a:masterClrMapping/>
   </p:clrMapOvr>
-  <p:transition>
-    <p:fade/>
-  </p:transition>
+  <mc:AlternateContent xmlns:mc="http://schemas.openxmlformats.org/markup-compatibility/2006">
+    <mc:Choice xmlns:p14="http://schemas.microsoft.com/office/powerpoint/2010/main" Requires="p14">
+      <p:transition p14:dur="300">
+        <p:fade/>
+      </p:transition>
+    </mc:Choice>
+    <mc:Fallback>
+      <p:transition>
+        <p:fade/>
+      </p:transition>
+    </mc:Fallback>
+  </mc:AlternateContent>
 </p:sld>
 </file>
 
@@ -5740,9 +5911,18 @@
   <p:clrMapOvr>
     <a:masterClrMapping/>
   </p:clrMapOvr>
-  <p:transition>
-    <p:fade/>
-  </p:transition>
+  <mc:AlternateContent xmlns:mc="http://schemas.openxmlformats.org/markup-compatibility/2006">
+    <mc:Choice xmlns:p14="http://schemas.microsoft.com/office/powerpoint/2010/main" Requires="p14">
+      <p:transition p14:dur="300">
+        <p:fade/>
+      </p:transition>
+    </mc:Choice>
+    <mc:Fallback>
+      <p:transition>
+        <p:fade/>
+      </p:transition>
+    </mc:Fallback>
+  </mc:AlternateContent>
 </p:sld>
 </file>
 
@@ -5855,9 +6035,18 @@
   <p:clrMapOvr>
     <a:masterClrMapping/>
   </p:clrMapOvr>
-  <p:transition>
-    <p:fade/>
-  </p:transition>
+  <mc:AlternateContent xmlns:mc="http://schemas.openxmlformats.org/markup-compatibility/2006">
+    <mc:Choice xmlns:p14="http://schemas.microsoft.com/office/powerpoint/2010/main" Requires="p14">
+      <p:transition p14:dur="300">
+        <p:fade/>
+      </p:transition>
+    </mc:Choice>
+    <mc:Fallback>
+      <p:transition>
+        <p:fade/>
+      </p:transition>
+    </mc:Fallback>
+  </mc:AlternateContent>
 </p:sld>
 </file>
 
@@ -5970,9 +6159,18 @@
   <p:clrMapOvr>
     <a:masterClrMapping/>
   </p:clrMapOvr>
-  <p:transition>
-    <p:fade/>
-  </p:transition>
+  <mc:AlternateContent xmlns:mc="http://schemas.openxmlformats.org/markup-compatibility/2006">
+    <mc:Choice xmlns:p14="http://schemas.microsoft.com/office/powerpoint/2010/main" Requires="p14">
+      <p:transition p14:dur="300">
+        <p:fade/>
+      </p:transition>
+    </mc:Choice>
+    <mc:Fallback>
+      <p:transition>
+        <p:fade/>
+      </p:transition>
+    </mc:Fallback>
+  </mc:AlternateContent>
 </p:sld>
 </file>
 
@@ -6085,9 +6283,18 @@
   <p:clrMapOvr>
     <a:masterClrMapping/>
   </p:clrMapOvr>
-  <p:transition>
-    <p:fade/>
-  </p:transition>
+  <mc:AlternateContent xmlns:mc="http://schemas.openxmlformats.org/markup-compatibility/2006">
+    <mc:Choice xmlns:p14="http://schemas.microsoft.com/office/powerpoint/2010/main" Requires="p14">
+      <p:transition p14:dur="300">
+        <p:fade/>
+      </p:transition>
+    </mc:Choice>
+    <mc:Fallback>
+      <p:transition>
+        <p:fade/>
+      </p:transition>
+    </mc:Fallback>
+  </mc:AlternateContent>
 </p:sld>
 </file>
 
@@ -6200,9 +6407,18 @@
   <p:clrMapOvr>
     <a:masterClrMapping/>
   </p:clrMapOvr>
-  <p:transition>
-    <p:fade/>
-  </p:transition>
+  <mc:AlternateContent xmlns:mc="http://schemas.openxmlformats.org/markup-compatibility/2006">
+    <mc:Choice xmlns:p14="http://schemas.microsoft.com/office/powerpoint/2010/main" Requires="p14">
+      <p:transition p14:dur="300">
+        <p:fade/>
+      </p:transition>
+    </mc:Choice>
+    <mc:Fallback>
+      <p:transition>
+        <p:fade/>
+      </p:transition>
+    </mc:Fallback>
+  </mc:AlternateContent>
 </p:sld>
 </file>
 
@@ -6285,15 +6501,7 @@
           <a:p>
             <a:r>
               <a:rPr lang="en-US" dirty="0"/>
-              <a:t>O' </a:t>
-            </a:r>
-            <a:r>
-              <a:rPr lang="en-US" dirty="0" err="1"/>
-              <a:t>Alláh</a:t>
-            </a:r>
-            <a:r>
-              <a:rPr lang="en-US" dirty="0"/>
-              <a:t> send Your blessings on Muhammad</a:t>
+              <a:t>O' Allah send Your blessings on Muhammad</a:t>
             </a:r>
           </a:p>
           <a:p>
@@ -6314,9 +6522,18 @@
   <p:clrMapOvr>
     <a:masterClrMapping/>
   </p:clrMapOvr>
-  <p:transition>
-    <p:fade/>
-  </p:transition>
+  <mc:AlternateContent xmlns:mc="http://schemas.openxmlformats.org/markup-compatibility/2006">
+    <mc:Choice xmlns:p14="http://schemas.microsoft.com/office/powerpoint/2010/main" Requires="p14">
+      <p:transition p14:dur="300">
+        <p:fade/>
+      </p:transition>
+    </mc:Choice>
+    <mc:Fallback>
+      <p:transition>
+        <p:fade/>
+      </p:transition>
+    </mc:Fallback>
+  </mc:AlternateContent>
 </p:sld>
 </file>
 
@@ -6429,9 +6646,18 @@
   <p:clrMapOvr>
     <a:masterClrMapping/>
   </p:clrMapOvr>
-  <p:transition>
-    <p:fade/>
-  </p:transition>
+  <mc:AlternateContent xmlns:mc="http://schemas.openxmlformats.org/markup-compatibility/2006">
+    <mc:Choice xmlns:p14="http://schemas.microsoft.com/office/powerpoint/2010/main" Requires="p14">
+      <p:transition p14:dur="300">
+        <p:fade/>
+      </p:transition>
+    </mc:Choice>
+    <mc:Fallback>
+      <p:transition>
+        <p:fade/>
+      </p:transition>
+    </mc:Fallback>
+  </mc:AlternateContent>
 </p:sld>
 </file>
 
@@ -6550,9 +6776,18 @@
   <p:clrMapOvr>
     <a:masterClrMapping/>
   </p:clrMapOvr>
-  <p:transition>
-    <p:fade/>
-  </p:transition>
+  <mc:AlternateContent xmlns:mc="http://schemas.openxmlformats.org/markup-compatibility/2006">
+    <mc:Choice xmlns:p14="http://schemas.microsoft.com/office/powerpoint/2010/main" Requires="p14">
+      <p:transition p14:dur="300">
+        <p:fade/>
+      </p:transition>
+    </mc:Choice>
+    <mc:Fallback>
+      <p:transition>
+        <p:fade/>
+      </p:transition>
+    </mc:Fallback>
+  </mc:AlternateContent>
 </p:sld>
 </file>
 
@@ -6671,9 +6906,18 @@
   <p:clrMapOvr>
     <a:masterClrMapping/>
   </p:clrMapOvr>
-  <p:transition>
-    <p:fade/>
-  </p:transition>
+  <mc:AlternateContent xmlns:mc="http://schemas.openxmlformats.org/markup-compatibility/2006">
+    <mc:Choice xmlns:p14="http://schemas.microsoft.com/office/powerpoint/2010/main" Requires="p14">
+      <p:transition p14:dur="300">
+        <p:fade/>
+      </p:transition>
+    </mc:Choice>
+    <mc:Fallback>
+      <p:transition>
+        <p:fade/>
+      </p:transition>
+    </mc:Fallback>
+  </mc:AlternateContent>
 </p:sld>
 </file>
 
@@ -6786,9 +7030,18 @@
   <p:clrMapOvr>
     <a:masterClrMapping/>
   </p:clrMapOvr>
-  <p:transition>
-    <p:fade/>
-  </p:transition>
+  <mc:AlternateContent xmlns:mc="http://schemas.openxmlformats.org/markup-compatibility/2006">
+    <mc:Choice xmlns:p14="http://schemas.microsoft.com/office/powerpoint/2010/main" Requires="p14">
+      <p:transition p14:dur="300">
+        <p:fade/>
+      </p:transition>
+    </mc:Choice>
+    <mc:Fallback>
+      <p:transition>
+        <p:fade/>
+      </p:transition>
+    </mc:Fallback>
+  </mc:AlternateContent>
 </p:sld>
 </file>
 
@@ -6913,9 +7166,18 @@
   <p:clrMapOvr>
     <a:masterClrMapping/>
   </p:clrMapOvr>
-  <p:transition>
-    <p:fade/>
-  </p:transition>
+  <mc:AlternateContent xmlns:mc="http://schemas.openxmlformats.org/markup-compatibility/2006">
+    <mc:Choice xmlns:p14="http://schemas.microsoft.com/office/powerpoint/2010/main" Requires="p14">
+      <p:transition p14:dur="300">
+        <p:fade/>
+      </p:transition>
+    </mc:Choice>
+    <mc:Fallback>
+      <p:transition>
+        <p:fade/>
+      </p:transition>
+    </mc:Fallback>
+  </mc:AlternateContent>
 </p:sld>
 </file>
 
@@ -7034,9 +7296,18 @@
   <p:clrMapOvr>
     <a:masterClrMapping/>
   </p:clrMapOvr>
-  <p:transition>
-    <p:fade/>
-  </p:transition>
+  <mc:AlternateContent xmlns:mc="http://schemas.openxmlformats.org/markup-compatibility/2006">
+    <mc:Choice xmlns:p14="http://schemas.microsoft.com/office/powerpoint/2010/main" Requires="p14">
+      <p:transition p14:dur="300">
+        <p:fade/>
+      </p:transition>
+    </mc:Choice>
+    <mc:Fallback>
+      <p:transition>
+        <p:fade/>
+      </p:transition>
+    </mc:Fallback>
+  </mc:AlternateContent>
 </p:sld>
 </file>
 
@@ -7149,9 +7420,18 @@
   <p:clrMapOvr>
     <a:masterClrMapping/>
   </p:clrMapOvr>
-  <p:transition>
-    <p:fade/>
-  </p:transition>
+  <mc:AlternateContent xmlns:mc="http://schemas.openxmlformats.org/markup-compatibility/2006">
+    <mc:Choice xmlns:p14="http://schemas.microsoft.com/office/powerpoint/2010/main" Requires="p14">
+      <p:transition p14:dur="300">
+        <p:fade/>
+      </p:transition>
+    </mc:Choice>
+    <mc:Fallback>
+      <p:transition>
+        <p:fade/>
+      </p:transition>
+    </mc:Fallback>
+  </mc:AlternateContent>
 </p:sld>
 </file>
 
@@ -7276,9 +7556,18 @@
   <p:clrMapOvr>
     <a:masterClrMapping/>
   </p:clrMapOvr>
-  <p:transition>
-    <p:fade/>
-  </p:transition>
+  <mc:AlternateContent xmlns:mc="http://schemas.openxmlformats.org/markup-compatibility/2006">
+    <mc:Choice xmlns:p14="http://schemas.microsoft.com/office/powerpoint/2010/main" Requires="p14">
+      <p:transition p14:dur="300">
+        <p:fade/>
+      </p:transition>
+    </mc:Choice>
+    <mc:Fallback>
+      <p:transition>
+        <p:fade/>
+      </p:transition>
+    </mc:Fallback>
+  </mc:AlternateContent>
 </p:sld>
 </file>
 
@@ -7397,9 +7686,18 @@
   <p:clrMapOvr>
     <a:masterClrMapping/>
   </p:clrMapOvr>
-  <p:transition>
-    <p:fade/>
-  </p:transition>
+  <mc:AlternateContent xmlns:mc="http://schemas.openxmlformats.org/markup-compatibility/2006">
+    <mc:Choice xmlns:p14="http://schemas.microsoft.com/office/powerpoint/2010/main" Requires="p14">
+      <p:transition p14:dur="300">
+        <p:fade/>
+      </p:transition>
+    </mc:Choice>
+    <mc:Fallback>
+      <p:transition>
+        <p:fade/>
+      </p:transition>
+    </mc:Fallback>
+  </mc:AlternateContent>
 </p:sld>
 </file>
 
@@ -7512,9 +7810,18 @@
   <p:clrMapOvr>
     <a:masterClrMapping/>
   </p:clrMapOvr>
-  <p:transition>
-    <p:fade/>
-  </p:transition>
+  <mc:AlternateContent xmlns:mc="http://schemas.openxmlformats.org/markup-compatibility/2006">
+    <mc:Choice xmlns:p14="http://schemas.microsoft.com/office/powerpoint/2010/main" Requires="p14">
+      <p:transition p14:dur="300">
+        <p:fade/>
+      </p:transition>
+    </mc:Choice>
+    <mc:Fallback>
+      <p:transition>
+        <p:fade/>
+      </p:transition>
+    </mc:Fallback>
+  </mc:AlternateContent>
 </p:sld>
 </file>
 
@@ -7597,15 +7904,7 @@
           <a:p>
             <a:r>
               <a:rPr lang="en-US" dirty="0"/>
-              <a:t>In the Name of </a:t>
-            </a:r>
-            <a:r>
-              <a:rPr lang="en-US" dirty="0" err="1"/>
-              <a:t>Alláh</a:t>
-            </a:r>
-            <a:r>
-              <a:rPr lang="en-US" dirty="0"/>
-              <a:t>, </a:t>
+              <a:t>In the Name of Allah, </a:t>
             </a:r>
           </a:p>
           <a:p>
@@ -7626,9 +7925,18 @@
   <p:clrMapOvr>
     <a:masterClrMapping/>
   </p:clrMapOvr>
-  <p:transition>
-    <p:fade/>
-  </p:transition>
+  <mc:AlternateContent xmlns:mc="http://schemas.openxmlformats.org/markup-compatibility/2006">
+    <mc:Choice xmlns:p14="http://schemas.microsoft.com/office/powerpoint/2010/main" Requires="p14">
+      <p:transition p14:dur="300">
+        <p:fade/>
+      </p:transition>
+    </mc:Choice>
+    <mc:Fallback>
+      <p:transition>
+        <p:fade/>
+      </p:transition>
+    </mc:Fallback>
+  </mc:AlternateContent>
 </p:sld>
 </file>
 
@@ -7753,9 +8061,18 @@
   <p:clrMapOvr>
     <a:masterClrMapping/>
   </p:clrMapOvr>
-  <p:transition>
-    <p:fade/>
-  </p:transition>
+  <mc:AlternateContent xmlns:mc="http://schemas.openxmlformats.org/markup-compatibility/2006">
+    <mc:Choice xmlns:p14="http://schemas.microsoft.com/office/powerpoint/2010/main" Requires="p14">
+      <p:transition p14:dur="300">
+        <p:fade/>
+      </p:transition>
+    </mc:Choice>
+    <mc:Fallback>
+      <p:transition>
+        <p:fade/>
+      </p:transition>
+    </mc:Fallback>
+  </mc:AlternateContent>
 </p:sld>
 </file>
 
@@ -7880,9 +8197,18 @@
   <p:clrMapOvr>
     <a:masterClrMapping/>
   </p:clrMapOvr>
-  <p:transition>
-    <p:fade/>
-  </p:transition>
+  <mc:AlternateContent xmlns:mc="http://schemas.openxmlformats.org/markup-compatibility/2006">
+    <mc:Choice xmlns:p14="http://schemas.microsoft.com/office/powerpoint/2010/main" Requires="p14">
+      <p:transition p14:dur="300">
+        <p:fade/>
+      </p:transition>
+    </mc:Choice>
+    <mc:Fallback>
+      <p:transition>
+        <p:fade/>
+      </p:transition>
+    </mc:Fallback>
+  </mc:AlternateContent>
 </p:sld>
 </file>
 
@@ -8007,9 +8333,18 @@
   <p:clrMapOvr>
     <a:masterClrMapping/>
   </p:clrMapOvr>
-  <p:transition>
-    <p:fade/>
-  </p:transition>
+  <mc:AlternateContent xmlns:mc="http://schemas.openxmlformats.org/markup-compatibility/2006">
+    <mc:Choice xmlns:p14="http://schemas.microsoft.com/office/powerpoint/2010/main" Requires="p14">
+      <p:transition p14:dur="300">
+        <p:fade/>
+      </p:transition>
+    </mc:Choice>
+    <mc:Fallback>
+      <p:transition>
+        <p:fade/>
+      </p:transition>
+    </mc:Fallback>
+  </mc:AlternateContent>
 </p:sld>
 </file>
 
@@ -8134,9 +8469,18 @@
   <p:clrMapOvr>
     <a:masterClrMapping/>
   </p:clrMapOvr>
-  <p:transition>
-    <p:fade/>
-  </p:transition>
+  <mc:AlternateContent xmlns:mc="http://schemas.openxmlformats.org/markup-compatibility/2006">
+    <mc:Choice xmlns:p14="http://schemas.microsoft.com/office/powerpoint/2010/main" Requires="p14">
+      <p:transition p14:dur="300">
+        <p:fade/>
+      </p:transition>
+    </mc:Choice>
+    <mc:Fallback>
+      <p:transition>
+        <p:fade/>
+      </p:transition>
+    </mc:Fallback>
+  </mc:AlternateContent>
 </p:sld>
 </file>
 
@@ -8249,9 +8593,18 @@
   <p:clrMapOvr>
     <a:masterClrMapping/>
   </p:clrMapOvr>
-  <p:transition>
-    <p:fade/>
-  </p:transition>
+  <mc:AlternateContent xmlns:mc="http://schemas.openxmlformats.org/markup-compatibility/2006">
+    <mc:Choice xmlns:p14="http://schemas.microsoft.com/office/powerpoint/2010/main" Requires="p14">
+      <p:transition p14:dur="300">
+        <p:fade/>
+      </p:transition>
+    </mc:Choice>
+    <mc:Fallback>
+      <p:transition>
+        <p:fade/>
+      </p:transition>
+    </mc:Fallback>
+  </mc:AlternateContent>
 </p:sld>
 </file>
 
@@ -8364,9 +8717,18 @@
   <p:clrMapOvr>
     <a:masterClrMapping/>
   </p:clrMapOvr>
-  <p:transition>
-    <p:fade/>
-  </p:transition>
+  <mc:AlternateContent xmlns:mc="http://schemas.openxmlformats.org/markup-compatibility/2006">
+    <mc:Choice xmlns:p14="http://schemas.microsoft.com/office/powerpoint/2010/main" Requires="p14">
+      <p:transition p14:dur="300">
+        <p:fade/>
+      </p:transition>
+    </mc:Choice>
+    <mc:Fallback>
+      <p:transition>
+        <p:fade/>
+      </p:transition>
+    </mc:Fallback>
+  </mc:AlternateContent>
 </p:sld>
 </file>
 
@@ -8479,9 +8841,18 @@
   <p:clrMapOvr>
     <a:masterClrMapping/>
   </p:clrMapOvr>
-  <p:transition>
-    <p:fade/>
-  </p:transition>
+  <mc:AlternateContent xmlns:mc="http://schemas.openxmlformats.org/markup-compatibility/2006">
+    <mc:Choice xmlns:p14="http://schemas.microsoft.com/office/powerpoint/2010/main" Requires="p14">
+      <p:transition p14:dur="300">
+        <p:fade/>
+      </p:transition>
+    </mc:Choice>
+    <mc:Fallback>
+      <p:transition>
+        <p:fade/>
+      </p:transition>
+    </mc:Fallback>
+  </mc:AlternateContent>
 </p:sld>
 </file>
 
@@ -8612,9 +8983,18 @@
   <p:clrMapOvr>
     <a:masterClrMapping/>
   </p:clrMapOvr>
-  <p:transition>
-    <p:fade/>
-  </p:transition>
+  <mc:AlternateContent xmlns:mc="http://schemas.openxmlformats.org/markup-compatibility/2006">
+    <mc:Choice xmlns:p14="http://schemas.microsoft.com/office/powerpoint/2010/main" Requires="p14">
+      <p:transition p14:dur="300">
+        <p:fade/>
+      </p:transition>
+    </mc:Choice>
+    <mc:Fallback>
+      <p:transition>
+        <p:fade/>
+      </p:transition>
+    </mc:Fallback>
+  </mc:AlternateContent>
 </p:sld>
 </file>
 
@@ -8745,9 +9125,18 @@
   <p:clrMapOvr>
     <a:masterClrMapping/>
   </p:clrMapOvr>
-  <p:transition>
-    <p:fade/>
-  </p:transition>
+  <mc:AlternateContent xmlns:mc="http://schemas.openxmlformats.org/markup-compatibility/2006">
+    <mc:Choice xmlns:p14="http://schemas.microsoft.com/office/powerpoint/2010/main" Requires="p14">
+      <p:transition p14:dur="300">
+        <p:fade/>
+      </p:transition>
+    </mc:Choice>
+    <mc:Fallback>
+      <p:transition>
+        <p:fade/>
+      </p:transition>
+    </mc:Fallback>
+  </mc:AlternateContent>
 </p:sld>
 </file>
 
@@ -8860,9 +9249,18 @@
   <p:clrMapOvr>
     <a:masterClrMapping/>
   </p:clrMapOvr>
-  <p:transition>
-    <p:fade/>
-  </p:transition>
+  <mc:AlternateContent xmlns:mc="http://schemas.openxmlformats.org/markup-compatibility/2006">
+    <mc:Choice xmlns:p14="http://schemas.microsoft.com/office/powerpoint/2010/main" Requires="p14">
+      <p:transition p14:dur="300">
+        <p:fade/>
+      </p:transition>
+    </mc:Choice>
+    <mc:Fallback>
+      <p:transition>
+        <p:fade/>
+      </p:transition>
+    </mc:Fallback>
+  </mc:AlternateContent>
 </p:sld>
 </file>
 
@@ -9005,9 +9403,18 @@
   <p:clrMapOvr>
     <a:masterClrMapping/>
   </p:clrMapOvr>
-  <p:transition>
-    <p:fade/>
-  </p:transition>
+  <mc:AlternateContent xmlns:mc="http://schemas.openxmlformats.org/markup-compatibility/2006">
+    <mc:Choice xmlns:p14="http://schemas.microsoft.com/office/powerpoint/2010/main" Requires="p14">
+      <p:transition p14:dur="300">
+        <p:fade/>
+      </p:transition>
+    </mc:Choice>
+    <mc:Fallback>
+      <p:transition>
+        <p:fade/>
+      </p:transition>
+    </mc:Fallback>
+  </mc:AlternateContent>
 </p:sld>
 </file>
 
@@ -9120,9 +9527,18 @@
   <p:clrMapOvr>
     <a:masterClrMapping/>
   </p:clrMapOvr>
-  <p:transition>
-    <p:fade/>
-  </p:transition>
+  <mc:AlternateContent xmlns:mc="http://schemas.openxmlformats.org/markup-compatibility/2006">
+    <mc:Choice xmlns:p14="http://schemas.microsoft.com/office/powerpoint/2010/main" Requires="p14">
+      <p:transition p14:dur="300">
+        <p:fade/>
+      </p:transition>
+    </mc:Choice>
+    <mc:Fallback>
+      <p:transition>
+        <p:fade/>
+      </p:transition>
+    </mc:Fallback>
+  </mc:AlternateContent>
 </p:sld>
 </file>
 
@@ -9247,9 +9663,18 @@
   <p:clrMapOvr>
     <a:masterClrMapping/>
   </p:clrMapOvr>
-  <p:transition>
-    <p:fade/>
-  </p:transition>
+  <mc:AlternateContent xmlns:mc="http://schemas.openxmlformats.org/markup-compatibility/2006">
+    <mc:Choice xmlns:p14="http://schemas.microsoft.com/office/powerpoint/2010/main" Requires="p14">
+      <p:transition p14:dur="300">
+        <p:fade/>
+      </p:transition>
+    </mc:Choice>
+    <mc:Fallback>
+      <p:transition>
+        <p:fade/>
+      </p:transition>
+    </mc:Fallback>
+  </mc:AlternateContent>
 </p:sld>
 </file>
 
@@ -9374,9 +9799,18 @@
   <p:clrMapOvr>
     <a:masterClrMapping/>
   </p:clrMapOvr>
-  <p:transition>
-    <p:fade/>
-  </p:transition>
+  <mc:AlternateContent xmlns:mc="http://schemas.openxmlformats.org/markup-compatibility/2006">
+    <mc:Choice xmlns:p14="http://schemas.microsoft.com/office/powerpoint/2010/main" Requires="p14">
+      <p:transition p14:dur="300">
+        <p:fade/>
+      </p:transition>
+    </mc:Choice>
+    <mc:Fallback>
+      <p:transition>
+        <p:fade/>
+      </p:transition>
+    </mc:Fallback>
+  </mc:AlternateContent>
 </p:sld>
 </file>
 
@@ -9489,9 +9923,18 @@
   <p:clrMapOvr>
     <a:masterClrMapping/>
   </p:clrMapOvr>
-  <p:transition>
-    <p:fade/>
-  </p:transition>
+  <mc:AlternateContent xmlns:mc="http://schemas.openxmlformats.org/markup-compatibility/2006">
+    <mc:Choice xmlns:p14="http://schemas.microsoft.com/office/powerpoint/2010/main" Requires="p14">
+      <p:transition p14:dur="300">
+        <p:fade/>
+      </p:transition>
+    </mc:Choice>
+    <mc:Fallback>
+      <p:transition>
+        <p:fade/>
+      </p:transition>
+    </mc:Fallback>
+  </mc:AlternateContent>
 </p:sld>
 </file>
 
@@ -9604,9 +10047,18 @@
   <p:clrMapOvr>
     <a:masterClrMapping/>
   </p:clrMapOvr>
-  <p:transition>
-    <p:fade/>
-  </p:transition>
+  <mc:AlternateContent xmlns:mc="http://schemas.openxmlformats.org/markup-compatibility/2006">
+    <mc:Choice xmlns:p14="http://schemas.microsoft.com/office/powerpoint/2010/main" Requires="p14">
+      <p:transition p14:dur="300">
+        <p:fade/>
+      </p:transition>
+    </mc:Choice>
+    <mc:Fallback>
+      <p:transition>
+        <p:fade/>
+      </p:transition>
+    </mc:Fallback>
+  </mc:AlternateContent>
 </p:sld>
 </file>
 
@@ -9719,9 +10171,18 @@
   <p:clrMapOvr>
     <a:masterClrMapping/>
   </p:clrMapOvr>
-  <p:transition>
-    <p:fade/>
-  </p:transition>
+  <mc:AlternateContent xmlns:mc="http://schemas.openxmlformats.org/markup-compatibility/2006">
+    <mc:Choice xmlns:p14="http://schemas.microsoft.com/office/powerpoint/2010/main" Requires="p14">
+      <p:transition p14:dur="300">
+        <p:fade/>
+      </p:transition>
+    </mc:Choice>
+    <mc:Fallback>
+      <p:transition>
+        <p:fade/>
+      </p:transition>
+    </mc:Fallback>
+  </mc:AlternateContent>
 </p:sld>
 </file>
 
@@ -9834,9 +10295,18 @@
   <p:clrMapOvr>
     <a:masterClrMapping/>
   </p:clrMapOvr>
-  <p:transition>
-    <p:fade/>
-  </p:transition>
+  <mc:AlternateContent xmlns:mc="http://schemas.openxmlformats.org/markup-compatibility/2006">
+    <mc:Choice xmlns:p14="http://schemas.microsoft.com/office/powerpoint/2010/main" Requires="p14">
+      <p:transition p14:dur="300">
+        <p:fade/>
+      </p:transition>
+    </mc:Choice>
+    <mc:Fallback>
+      <p:transition>
+        <p:fade/>
+      </p:transition>
+    </mc:Fallback>
+  </mc:AlternateContent>
 </p:sld>
 </file>
 
@@ -9949,9 +10419,18 @@
   <p:clrMapOvr>
     <a:masterClrMapping/>
   </p:clrMapOvr>
-  <p:transition>
-    <p:fade/>
-  </p:transition>
+  <mc:AlternateContent xmlns:mc="http://schemas.openxmlformats.org/markup-compatibility/2006">
+    <mc:Choice xmlns:p14="http://schemas.microsoft.com/office/powerpoint/2010/main" Requires="p14">
+      <p:transition p14:dur="300">
+        <p:fade/>
+      </p:transition>
+    </mc:Choice>
+    <mc:Fallback>
+      <p:transition>
+        <p:fade/>
+      </p:transition>
+    </mc:Fallback>
+  </mc:AlternateContent>
 </p:sld>
 </file>
 
@@ -10064,9 +10543,18 @@
   <p:clrMapOvr>
     <a:masterClrMapping/>
   </p:clrMapOvr>
-  <p:transition>
-    <p:fade/>
-  </p:transition>
+  <mc:AlternateContent xmlns:mc="http://schemas.openxmlformats.org/markup-compatibility/2006">
+    <mc:Choice xmlns:p14="http://schemas.microsoft.com/office/powerpoint/2010/main" Requires="p14">
+      <p:transition p14:dur="300">
+        <p:fade/>
+      </p:transition>
+    </mc:Choice>
+    <mc:Fallback>
+      <p:transition>
+        <p:fade/>
+      </p:transition>
+    </mc:Fallback>
+  </mc:AlternateContent>
 </p:sld>
 </file>
 
@@ -10191,9 +10679,18 @@
   <p:clrMapOvr>
     <a:masterClrMapping/>
   </p:clrMapOvr>
-  <p:transition>
-    <p:fade/>
-  </p:transition>
+  <mc:AlternateContent xmlns:mc="http://schemas.openxmlformats.org/markup-compatibility/2006">
+    <mc:Choice xmlns:p14="http://schemas.microsoft.com/office/powerpoint/2010/main" Requires="p14">
+      <p:transition p14:dur="300">
+        <p:fade/>
+      </p:transition>
+    </mc:Choice>
+    <mc:Fallback>
+      <p:transition>
+        <p:fade/>
+      </p:transition>
+    </mc:Fallback>
+  </mc:AlternateContent>
 </p:sld>
 </file>
 
@@ -10306,9 +10803,18 @@
   <p:clrMapOvr>
     <a:masterClrMapping/>
   </p:clrMapOvr>
-  <p:transition>
-    <p:fade/>
-  </p:transition>
+  <mc:AlternateContent xmlns:mc="http://schemas.openxmlformats.org/markup-compatibility/2006">
+    <mc:Choice xmlns:p14="http://schemas.microsoft.com/office/powerpoint/2010/main" Requires="p14">
+      <p:transition p14:dur="300">
+        <p:fade/>
+      </p:transition>
+    </mc:Choice>
+    <mc:Fallback>
+      <p:transition>
+        <p:fade/>
+      </p:transition>
+    </mc:Fallback>
+  </mc:AlternateContent>
 </p:sld>
 </file>
 
@@ -10433,9 +10939,18 @@
   <p:clrMapOvr>
     <a:masterClrMapping/>
   </p:clrMapOvr>
-  <p:transition>
-    <p:fade/>
-  </p:transition>
+  <mc:AlternateContent xmlns:mc="http://schemas.openxmlformats.org/markup-compatibility/2006">
+    <mc:Choice xmlns:p14="http://schemas.microsoft.com/office/powerpoint/2010/main" Requires="p14">
+      <p:transition p14:dur="300">
+        <p:fade/>
+      </p:transition>
+    </mc:Choice>
+    <mc:Fallback>
+      <p:transition>
+        <p:fade/>
+      </p:transition>
+    </mc:Fallback>
+  </mc:AlternateContent>
 </p:sld>
 </file>
 
@@ -10548,9 +11063,18 @@
   <p:clrMapOvr>
     <a:masterClrMapping/>
   </p:clrMapOvr>
-  <p:transition>
-    <p:fade/>
-  </p:transition>
+  <mc:AlternateContent xmlns:mc="http://schemas.openxmlformats.org/markup-compatibility/2006">
+    <mc:Choice xmlns:p14="http://schemas.microsoft.com/office/powerpoint/2010/main" Requires="p14">
+      <p:transition p14:dur="300">
+        <p:fade/>
+      </p:transition>
+    </mc:Choice>
+    <mc:Fallback>
+      <p:transition>
+        <p:fade/>
+      </p:transition>
+    </mc:Fallback>
+  </mc:AlternateContent>
 </p:sld>
 </file>
 
@@ -10669,9 +11193,18 @@
   <p:clrMapOvr>
     <a:masterClrMapping/>
   </p:clrMapOvr>
-  <p:transition>
-    <p:fade/>
-  </p:transition>
+  <mc:AlternateContent xmlns:mc="http://schemas.openxmlformats.org/markup-compatibility/2006">
+    <mc:Choice xmlns:p14="http://schemas.microsoft.com/office/powerpoint/2010/main" Requires="p14">
+      <p:transition p14:dur="300">
+        <p:fade/>
+      </p:transition>
+    </mc:Choice>
+    <mc:Fallback>
+      <p:transition>
+        <p:fade/>
+      </p:transition>
+    </mc:Fallback>
+  </mc:AlternateContent>
 </p:sld>
 </file>
 
@@ -10825,9 +11358,18 @@
   <p:clrMapOvr>
     <a:masterClrMapping/>
   </p:clrMapOvr>
-  <p:transition>
-    <p:fade/>
-  </p:transition>
+  <mc:AlternateContent xmlns:mc="http://schemas.openxmlformats.org/markup-compatibility/2006">
+    <mc:Choice xmlns:p14="http://schemas.microsoft.com/office/powerpoint/2010/main" Requires="p14">
+      <p:transition p14:dur="300">
+        <p:fade/>
+      </p:transition>
+    </mc:Choice>
+    <mc:Fallback>
+      <p:transition>
+        <p:fade/>
+      </p:transition>
+    </mc:Fallback>
+  </mc:AlternateContent>
 </p:sld>
 </file>
 
@@ -10951,9 +11493,18 @@
   <p:clrMapOvr>
     <a:masterClrMapping/>
   </p:clrMapOvr>
-  <p:transition>
-    <p:fade/>
-  </p:transition>
+  <mc:AlternateContent xmlns:mc="http://schemas.openxmlformats.org/markup-compatibility/2006">
+    <mc:Choice xmlns:p14="http://schemas.microsoft.com/office/powerpoint/2010/main" Requires="p14">
+      <p:transition p14:dur="300">
+        <p:fade/>
+      </p:transition>
+    </mc:Choice>
+    <mc:Fallback>
+      <p:transition>
+        <p:fade/>
+      </p:transition>
+    </mc:Fallback>
+  </mc:AlternateContent>
 </p:sld>
 </file>
 
@@ -11066,9 +11617,18 @@
   <p:clrMapOvr>
     <a:masterClrMapping/>
   </p:clrMapOvr>
-  <p:transition>
-    <p:fade/>
-  </p:transition>
+  <mc:AlternateContent xmlns:mc="http://schemas.openxmlformats.org/markup-compatibility/2006">
+    <mc:Choice xmlns:p14="http://schemas.microsoft.com/office/powerpoint/2010/main" Requires="p14">
+      <p:transition p14:dur="300">
+        <p:fade/>
+      </p:transition>
+    </mc:Choice>
+    <mc:Fallback>
+      <p:transition>
+        <p:fade/>
+      </p:transition>
+    </mc:Fallback>
+  </mc:AlternateContent>
 </p:sld>
 </file>
 
@@ -11181,9 +11741,18 @@
   <p:clrMapOvr>
     <a:masterClrMapping/>
   </p:clrMapOvr>
-  <p:transition>
-    <p:fade/>
-  </p:transition>
+  <mc:AlternateContent xmlns:mc="http://schemas.openxmlformats.org/markup-compatibility/2006">
+    <mc:Choice xmlns:p14="http://schemas.microsoft.com/office/powerpoint/2010/main" Requires="p14">
+      <p:transition p14:dur="300">
+        <p:fade/>
+      </p:transition>
+    </mc:Choice>
+    <mc:Fallback>
+      <p:transition>
+        <p:fade/>
+      </p:transition>
+    </mc:Fallback>
+  </mc:AlternateContent>
 </p:sld>
 </file>
 
@@ -11302,9 +11871,18 @@
   <p:clrMapOvr>
     <a:masterClrMapping/>
   </p:clrMapOvr>
-  <p:transition>
-    <p:fade/>
-  </p:transition>
+  <mc:AlternateContent xmlns:mc="http://schemas.openxmlformats.org/markup-compatibility/2006">
+    <mc:Choice xmlns:p14="http://schemas.microsoft.com/office/powerpoint/2010/main" Requires="p14">
+      <p:transition p14:dur="300">
+        <p:fade/>
+      </p:transition>
+    </mc:Choice>
+    <mc:Fallback>
+      <p:transition>
+        <p:fade/>
+      </p:transition>
+    </mc:Fallback>
+  </mc:AlternateContent>
 </p:sld>
 </file>
 
@@ -11417,9 +11995,18 @@
   <p:clrMapOvr>
     <a:masterClrMapping/>
   </p:clrMapOvr>
-  <p:transition>
-    <p:fade/>
-  </p:transition>
+  <mc:AlternateContent xmlns:mc="http://schemas.openxmlformats.org/markup-compatibility/2006">
+    <mc:Choice xmlns:p14="http://schemas.microsoft.com/office/powerpoint/2010/main" Requires="p14">
+      <p:transition p14:dur="300">
+        <p:fade/>
+      </p:transition>
+    </mc:Choice>
+    <mc:Fallback>
+      <p:transition>
+        <p:fade/>
+      </p:transition>
+    </mc:Fallback>
+  </mc:AlternateContent>
 </p:sld>
 </file>
 
@@ -11538,9 +12125,18 @@
   <p:clrMapOvr>
     <a:masterClrMapping/>
   </p:clrMapOvr>
-  <p:transition>
-    <p:fade/>
-  </p:transition>
+  <mc:AlternateContent xmlns:mc="http://schemas.openxmlformats.org/markup-compatibility/2006">
+    <mc:Choice xmlns:p14="http://schemas.microsoft.com/office/powerpoint/2010/main" Requires="p14">
+      <p:transition p14:dur="300">
+        <p:fade/>
+      </p:transition>
+    </mc:Choice>
+    <mc:Fallback>
+      <p:transition>
+        <p:fade/>
+      </p:transition>
+    </mc:Fallback>
+  </mc:AlternateContent>
 </p:sld>
 </file>
 
@@ -11665,9 +12261,18 @@
   <p:clrMapOvr>
     <a:masterClrMapping/>
   </p:clrMapOvr>
-  <p:transition>
-    <p:fade/>
-  </p:transition>
+  <mc:AlternateContent xmlns:mc="http://schemas.openxmlformats.org/markup-compatibility/2006">
+    <mc:Choice xmlns:p14="http://schemas.microsoft.com/office/powerpoint/2010/main" Requires="p14">
+      <p:transition p14:dur="300">
+        <p:fade/>
+      </p:transition>
+    </mc:Choice>
+    <mc:Fallback>
+      <p:transition>
+        <p:fade/>
+      </p:transition>
+    </mc:Fallback>
+  </mc:AlternateContent>
 </p:sld>
 </file>
 
@@ -11809,9 +12414,18 @@
   <p:clrMapOvr>
     <a:masterClrMapping/>
   </p:clrMapOvr>
-  <p:transition>
-    <p:fade/>
-  </p:transition>
+  <mc:AlternateContent xmlns:mc="http://schemas.openxmlformats.org/markup-compatibility/2006">
+    <mc:Choice xmlns:p14="http://schemas.microsoft.com/office/powerpoint/2010/main" Requires="p14">
+      <p:transition p14:dur="300">
+        <p:fade/>
+      </p:transition>
+    </mc:Choice>
+    <mc:Fallback>
+      <p:transition>
+        <p:fade/>
+      </p:transition>
+    </mc:Fallback>
+  </mc:AlternateContent>
 </p:sld>
 </file>
 
@@ -11957,9 +12571,18 @@
   <p:clrMapOvr>
     <a:masterClrMapping/>
   </p:clrMapOvr>
-  <p:transition>
-    <p:fade/>
-  </p:transition>
+  <mc:AlternateContent xmlns:mc="http://schemas.openxmlformats.org/markup-compatibility/2006">
+    <mc:Choice xmlns:p14="http://schemas.microsoft.com/office/powerpoint/2010/main" Requires="p14">
+      <p:transition p14:dur="300">
+        <p:fade/>
+      </p:transition>
+    </mc:Choice>
+    <mc:Fallback>
+      <p:transition>
+        <p:fade/>
+      </p:transition>
+    </mc:Fallback>
+  </mc:AlternateContent>
 </p:sld>
 </file>
 
@@ -12094,9 +12717,18 @@
   <p:clrMapOvr>
     <a:masterClrMapping/>
   </p:clrMapOvr>
-  <p:transition>
-    <p:fade/>
-  </p:transition>
+  <mc:AlternateContent xmlns:mc="http://schemas.openxmlformats.org/markup-compatibility/2006">
+    <mc:Choice xmlns:p14="http://schemas.microsoft.com/office/powerpoint/2010/main" Requires="p14">
+      <p:transition p14:dur="300">
+        <p:fade/>
+      </p:transition>
+    </mc:Choice>
+    <mc:Fallback>
+      <p:transition>
+        <p:fade/>
+      </p:transition>
+    </mc:Fallback>
+  </mc:AlternateContent>
 </p:sld>
 </file>
 
@@ -12179,15 +12811,7 @@
           <a:p>
             <a:r>
               <a:rPr lang="en-US" dirty="0"/>
-              <a:t>O' </a:t>
-            </a:r>
-            <a:r>
-              <a:rPr lang="en-US" dirty="0" err="1"/>
-              <a:t>Alláh</a:t>
-            </a:r>
-            <a:r>
-              <a:rPr lang="en-US" dirty="0"/>
-              <a:t> send Your blessings on Muhammad</a:t>
+              <a:t>O' Allah send Your blessings on Muhammad</a:t>
             </a:r>
           </a:p>
           <a:p>
@@ -12208,9 +12832,18 @@
   <p:clrMapOvr>
     <a:masterClrMapping/>
   </p:clrMapOvr>
-  <p:transition>
-    <p:fade/>
-  </p:transition>
+  <mc:AlternateContent xmlns:mc="http://schemas.openxmlformats.org/markup-compatibility/2006">
+    <mc:Choice xmlns:p14="http://schemas.microsoft.com/office/powerpoint/2010/main" Requires="p14">
+      <p:transition p14:dur="300">
+        <p:fade/>
+      </p:transition>
+    </mc:Choice>
+    <mc:Fallback>
+      <p:transition>
+        <p:fade/>
+      </p:transition>
+    </mc:Fallback>
+  </mc:AlternateContent>
 </p:sld>
 </file>
 
@@ -12391,9 +13024,18 @@
   <p:clrMapOvr>
     <a:masterClrMapping/>
   </p:clrMapOvr>
-  <p:transition>
-    <p:fade/>
-  </p:transition>
+  <mc:AlternateContent xmlns:mc="http://schemas.openxmlformats.org/markup-compatibility/2006">
+    <mc:Choice xmlns:p14="http://schemas.microsoft.com/office/powerpoint/2010/main" Requires="p14">
+      <p:transition p14:dur="300">
+        <p:fade/>
+      </p:transition>
+    </mc:Choice>
+    <mc:Fallback>
+      <p:transition>
+        <p:fade/>
+      </p:transition>
+    </mc:Fallback>
+  </mc:AlternateContent>
 </p:sld>
 </file>
 
@@ -12518,9 +13160,18 @@
   <p:clrMapOvr>
     <a:masterClrMapping/>
   </p:clrMapOvr>
-  <p:transition>
-    <p:fade/>
-  </p:transition>
+  <mc:AlternateContent xmlns:mc="http://schemas.openxmlformats.org/markup-compatibility/2006">
+    <mc:Choice xmlns:p14="http://schemas.microsoft.com/office/powerpoint/2010/main" Requires="p14">
+      <p:transition p14:dur="300">
+        <p:fade/>
+      </p:transition>
+    </mc:Choice>
+    <mc:Fallback>
+      <p:transition>
+        <p:fade/>
+      </p:transition>
+    </mc:Fallback>
+  </mc:AlternateContent>
 </p:sld>
 </file>
 
@@ -12633,9 +13284,18 @@
   <p:clrMapOvr>
     <a:masterClrMapping/>
   </p:clrMapOvr>
-  <p:transition>
-    <p:fade/>
-  </p:transition>
+  <mc:AlternateContent xmlns:mc="http://schemas.openxmlformats.org/markup-compatibility/2006">
+    <mc:Choice xmlns:p14="http://schemas.microsoft.com/office/powerpoint/2010/main" Requires="p14">
+      <p:transition p14:dur="300">
+        <p:fade/>
+      </p:transition>
+    </mc:Choice>
+    <mc:Fallback>
+      <p:transition>
+        <p:fade/>
+      </p:transition>
+    </mc:Fallback>
+  </mc:AlternateContent>
 </p:sld>
 </file>
 
@@ -12748,9 +13408,18 @@
   <p:clrMapOvr>
     <a:masterClrMapping/>
   </p:clrMapOvr>
-  <p:transition>
-    <p:fade/>
-  </p:transition>
+  <mc:AlternateContent xmlns:mc="http://schemas.openxmlformats.org/markup-compatibility/2006">
+    <mc:Choice xmlns:p14="http://schemas.microsoft.com/office/powerpoint/2010/main" Requires="p14">
+      <p:transition p14:dur="300">
+        <p:fade/>
+      </p:transition>
+    </mc:Choice>
+    <mc:Fallback>
+      <p:transition>
+        <p:fade/>
+      </p:transition>
+    </mc:Fallback>
+  </mc:AlternateContent>
 </p:sld>
 </file>
 

--- a/PPTs/Ziyarat Aminallah.pptx
+++ b/PPTs/Ziyarat Aminallah.pptx
@@ -459,13 +459,13 @@
   <p:clrMapOvr>
     <a:masterClrMapping/>
   </p:clrMapOvr>
-  <mc:AlternateContent xmlns:mc="http://schemas.openxmlformats.org/markup-compatibility/2006">
-    <mc:Choice xmlns:p14="http://schemas.microsoft.com/office/powerpoint/2010/main" Requires="p14">
+  <mc:AlternateContent xmlns:mc="http://schemas.openxmlformats.org/markup-compatibility/2006" xmlns:p14="http://schemas.microsoft.com/office/powerpoint/2010/main">
+    <mc:Choice Requires="p14">
       <p:transition p14:dur="300">
         <p:fade/>
       </p:transition>
     </mc:Choice>
-    <mc:Fallback>
+    <mc:Fallback xmlns="">
       <p:transition>
         <p:fade/>
       </p:transition>
@@ -714,13 +714,13 @@
   <p:clrMapOvr>
     <a:masterClrMapping/>
   </p:clrMapOvr>
-  <mc:AlternateContent xmlns:mc="http://schemas.openxmlformats.org/markup-compatibility/2006">
-    <mc:Choice xmlns:p14="http://schemas.microsoft.com/office/powerpoint/2010/main" Requires="p14">
+  <mc:AlternateContent xmlns:mc="http://schemas.openxmlformats.org/markup-compatibility/2006" xmlns:p14="http://schemas.microsoft.com/office/powerpoint/2010/main">
+    <mc:Choice Requires="p14">
       <p:transition p14:dur="300">
         <p:fade/>
       </p:transition>
     </mc:Choice>
-    <mc:Fallback>
+    <mc:Fallback xmlns="">
       <p:transition>
         <p:fade/>
       </p:transition>
@@ -963,13 +963,13 @@
   <p:clrMapOvr>
     <a:masterClrMapping/>
   </p:clrMapOvr>
-  <mc:AlternateContent xmlns:mc="http://schemas.openxmlformats.org/markup-compatibility/2006">
-    <mc:Choice xmlns:p14="http://schemas.microsoft.com/office/powerpoint/2010/main" Requires="p14">
+  <mc:AlternateContent xmlns:mc="http://schemas.openxmlformats.org/markup-compatibility/2006" xmlns:p14="http://schemas.microsoft.com/office/powerpoint/2010/main">
+    <mc:Choice Requires="p14">
       <p:transition p14:dur="300">
         <p:fade/>
       </p:transition>
     </mc:Choice>
-    <mc:Fallback>
+    <mc:Fallback xmlns="">
       <p:transition>
         <p:fade/>
       </p:transition>
@@ -1138,13 +1138,13 @@
   <p:clrMapOvr>
     <a:masterClrMapping/>
   </p:clrMapOvr>
-  <mc:AlternateContent xmlns:mc="http://schemas.openxmlformats.org/markup-compatibility/2006">
-    <mc:Choice xmlns:p14="http://schemas.microsoft.com/office/powerpoint/2010/main" Requires="p14">
+  <mc:AlternateContent xmlns:mc="http://schemas.openxmlformats.org/markup-compatibility/2006" xmlns:p14="http://schemas.microsoft.com/office/powerpoint/2010/main">
+    <mc:Choice Requires="p14">
       <p:transition p14:dur="300">
         <p:fade/>
       </p:transition>
     </mc:Choice>
-    <mc:Fallback>
+    <mc:Fallback xmlns="">
       <p:transition>
         <p:fade/>
       </p:transition>
@@ -1377,13 +1377,13 @@
   <p:clrMapOvr>
     <a:masterClrMapping/>
   </p:clrMapOvr>
-  <mc:AlternateContent xmlns:mc="http://schemas.openxmlformats.org/markup-compatibility/2006">
-    <mc:Choice xmlns:p14="http://schemas.microsoft.com/office/powerpoint/2010/main" Requires="p14">
+  <mc:AlternateContent xmlns:mc="http://schemas.openxmlformats.org/markup-compatibility/2006" xmlns:p14="http://schemas.microsoft.com/office/powerpoint/2010/main">
+    <mc:Choice Requires="p14">
       <p:transition p14:dur="300">
         <p:fade/>
       </p:transition>
     </mc:Choice>
-    <mc:Fallback>
+    <mc:Fallback xmlns="">
       <p:transition>
         <p:fade/>
       </p:transition>
@@ -1635,13 +1635,13 @@
   <p:clrMapOvr>
     <a:masterClrMapping/>
   </p:clrMapOvr>
-  <mc:AlternateContent xmlns:mc="http://schemas.openxmlformats.org/markup-compatibility/2006">
-    <mc:Choice xmlns:p14="http://schemas.microsoft.com/office/powerpoint/2010/main" Requires="p14">
+  <mc:AlternateContent xmlns:mc="http://schemas.openxmlformats.org/markup-compatibility/2006" xmlns:p14="http://schemas.microsoft.com/office/powerpoint/2010/main">
+    <mc:Choice Requires="p14">
       <p:transition p14:dur="300">
         <p:fade/>
       </p:transition>
     </mc:Choice>
-    <mc:Fallback>
+    <mc:Fallback xmlns="">
       <p:transition>
         <p:fade/>
       </p:transition>
@@ -1975,13 +1975,13 @@
   <p:clrMapOvr>
     <a:masterClrMapping/>
   </p:clrMapOvr>
-  <mc:AlternateContent xmlns:mc="http://schemas.openxmlformats.org/markup-compatibility/2006">
-    <mc:Choice xmlns:p14="http://schemas.microsoft.com/office/powerpoint/2010/main" Requires="p14">
+  <mc:AlternateContent xmlns:mc="http://schemas.openxmlformats.org/markup-compatibility/2006" xmlns:p14="http://schemas.microsoft.com/office/powerpoint/2010/main">
+    <mc:Choice Requires="p14">
       <p:transition p14:dur="300">
         <p:fade/>
       </p:transition>
     </mc:Choice>
-    <mc:Fallback>
+    <mc:Fallback xmlns="">
       <p:transition>
         <p:fade/>
       </p:transition>
@@ -2445,13 +2445,13 @@
   <p:clrMapOvr>
     <a:masterClrMapping/>
   </p:clrMapOvr>
-  <mc:AlternateContent xmlns:mc="http://schemas.openxmlformats.org/markup-compatibility/2006">
-    <mc:Choice xmlns:p14="http://schemas.microsoft.com/office/powerpoint/2010/main" Requires="p14">
+  <mc:AlternateContent xmlns:mc="http://schemas.openxmlformats.org/markup-compatibility/2006" xmlns:p14="http://schemas.microsoft.com/office/powerpoint/2010/main">
+    <mc:Choice Requires="p14">
       <p:transition p14:dur="300">
         <p:fade/>
       </p:transition>
     </mc:Choice>
-    <mc:Fallback>
+    <mc:Fallback xmlns="">
       <p:transition>
         <p:fade/>
       </p:transition>
@@ -2617,13 +2617,13 @@
   <p:clrMapOvr>
     <a:masterClrMapping/>
   </p:clrMapOvr>
-  <mc:AlternateContent xmlns:mc="http://schemas.openxmlformats.org/markup-compatibility/2006">
-    <mc:Choice xmlns:p14="http://schemas.microsoft.com/office/powerpoint/2010/main" Requires="p14">
+  <mc:AlternateContent xmlns:mc="http://schemas.openxmlformats.org/markup-compatibility/2006" xmlns:p14="http://schemas.microsoft.com/office/powerpoint/2010/main">
+    <mc:Choice Requires="p14">
       <p:transition p14:dur="300">
         <p:fade/>
       </p:transition>
     </mc:Choice>
-    <mc:Fallback>
+    <mc:Fallback xmlns="">
       <p:transition>
         <p:fade/>
       </p:transition>
@@ -2763,13 +2763,13 @@
   <p:clrMapOvr>
     <a:masterClrMapping/>
   </p:clrMapOvr>
-  <mc:AlternateContent xmlns:mc="http://schemas.openxmlformats.org/markup-compatibility/2006">
-    <mc:Choice xmlns:p14="http://schemas.microsoft.com/office/powerpoint/2010/main" Requires="p14">
+  <mc:AlternateContent xmlns:mc="http://schemas.openxmlformats.org/markup-compatibility/2006" xmlns:p14="http://schemas.microsoft.com/office/powerpoint/2010/main">
+    <mc:Choice Requires="p14">
       <p:transition p14:dur="300">
         <p:fade/>
       </p:transition>
     </mc:Choice>
-    <mc:Fallback>
+    <mc:Fallback xmlns="">
       <p:transition>
         <p:fade/>
       </p:transition>
@@ -3089,13 +3089,13 @@
   <p:clrMapOvr>
     <a:masterClrMapping/>
   </p:clrMapOvr>
-  <mc:AlternateContent xmlns:mc="http://schemas.openxmlformats.org/markup-compatibility/2006">
-    <mc:Choice xmlns:p14="http://schemas.microsoft.com/office/powerpoint/2010/main" Requires="p14">
+  <mc:AlternateContent xmlns:mc="http://schemas.openxmlformats.org/markup-compatibility/2006" xmlns:p14="http://schemas.microsoft.com/office/powerpoint/2010/main">
+    <mc:Choice Requires="p14">
       <p:transition p14:dur="300">
         <p:fade/>
       </p:transition>
     </mc:Choice>
-    <mc:Fallback>
+    <mc:Fallback xmlns="">
       <p:transition>
         <p:fade/>
       </p:transition>
@@ -3393,13 +3393,13 @@
   <p:clrMapOvr>
     <a:masterClrMapping/>
   </p:clrMapOvr>
-  <mc:AlternateContent xmlns:mc="http://schemas.openxmlformats.org/markup-compatibility/2006">
-    <mc:Choice xmlns:p14="http://schemas.microsoft.com/office/powerpoint/2010/main" Requires="p14">
+  <mc:AlternateContent xmlns:mc="http://schemas.openxmlformats.org/markup-compatibility/2006" xmlns:p14="http://schemas.microsoft.com/office/powerpoint/2010/main">
+    <mc:Choice Requires="p14">
       <p:transition p14:dur="300">
         <p:fade/>
       </p:transition>
     </mc:Choice>
-    <mc:Fallback>
+    <mc:Fallback xmlns="">
       <p:transition>
         <p:fade/>
       </p:transition>
@@ -3882,13 +3882,13 @@
     <p:sldLayoutId id="2147483683" r:id="rId11"/>
     <p:sldLayoutId id="2147483684" r:id="rId12"/>
   </p:sldLayoutIdLst>
-  <mc:AlternateContent xmlns:mc="http://schemas.openxmlformats.org/markup-compatibility/2006">
-    <mc:Choice xmlns:p14="http://schemas.microsoft.com/office/powerpoint/2010/main" Requires="p14">
+  <mc:AlternateContent xmlns:mc="http://schemas.openxmlformats.org/markup-compatibility/2006" xmlns:p14="http://schemas.microsoft.com/office/powerpoint/2010/main">
+    <mc:Choice Requires="p14">
       <p:transition p14:dur="300">
         <p:fade/>
       </p:transition>
     </mc:Choice>
-    <mc:Fallback>
+    <mc:Fallback xmlns="">
       <p:transition>
         <p:fade/>
       </p:transition>
@@ -4675,41 +4675,7 @@
                 <a:ea typeface="Calibri Light" panose="020F0302020204030204" pitchFamily="34" charset="0"/>
                 <a:cs typeface="Calibri Light" panose="020F0302020204030204" pitchFamily="34" charset="0"/>
               </a:rPr>
-              <a:t>And We desired to show </a:t>
-            </a:r>
-            <a:r>
-              <a:rPr kumimoji="0" lang="en-US" sz="1400" b="0" i="1" u="none" strike="noStrike" kern="1200" cap="none" spc="0" normalizeH="0" baseline="0" noProof="0" dirty="0" err="1">
-                <a:ln>
-                  <a:noFill/>
-                </a:ln>
-                <a:solidFill>
-                  <a:srgbClr val="127274"/>
-                </a:solidFill>
-                <a:effectLst/>
-                <a:uLnTx/>
-                <a:uFillTx/>
-                <a:latin typeface="Calibri Light" panose="020F0302020204030204" pitchFamily="34" charset="0"/>
-                <a:ea typeface="Calibri Light" panose="020F0302020204030204" pitchFamily="34" charset="0"/>
-                <a:cs typeface="Calibri Light" panose="020F0302020204030204" pitchFamily="34" charset="0"/>
-              </a:rPr>
-              <a:t>favour</a:t>
-            </a:r>
-            <a:r>
-              <a:rPr kumimoji="0" lang="en-US" sz="1400" b="0" i="1" u="none" strike="noStrike" kern="1200" cap="none" spc="0" normalizeH="0" baseline="0" noProof="0" dirty="0">
-                <a:ln>
-                  <a:noFill/>
-                </a:ln>
-                <a:solidFill>
-                  <a:srgbClr val="127274"/>
-                </a:solidFill>
-                <a:effectLst/>
-                <a:uLnTx/>
-                <a:uFillTx/>
-                <a:latin typeface="Calibri Light" panose="020F0302020204030204" pitchFamily="34" charset="0"/>
-                <a:ea typeface="Calibri Light" panose="020F0302020204030204" pitchFamily="34" charset="0"/>
-                <a:cs typeface="Calibri Light" panose="020F0302020204030204" pitchFamily="34" charset="0"/>
-              </a:rPr>
-              <a:t> upon those who were abased in the land, </a:t>
+              <a:t>And We desired to show favor upon those who were abased in the land, </a:t>
             </a:r>
           </a:p>
           <a:p>
@@ -4784,7 +4750,7 @@
               <a:t>(Surah </a:t>
             </a:r>
             <a:r>
-              <a:rPr kumimoji="0" lang="en-US" sz="1200" b="0" i="1" u="none" strike="noStrike" kern="1200" cap="none" spc="0" normalizeH="0" baseline="0" noProof="0" dirty="0" err="1">
+              <a:rPr kumimoji="0" lang="en-US" sz="1200" b="0" i="1" u="none" strike="noStrike" kern="1200" cap="none" spc="0" normalizeH="0" baseline="0" noProof="0">
                 <a:ln>
                   <a:noFill/>
                 </a:ln>
@@ -4798,7 +4764,7 @@
                 <a:ea typeface="Calibri Light" panose="020F0302020204030204" pitchFamily="34" charset="0"/>
                 <a:cs typeface="Calibri Light" panose="020F0302020204030204" pitchFamily="34" charset="0"/>
               </a:rPr>
-              <a:t>Qasas</a:t>
+              <a:t>Qasas: </a:t>
             </a:r>
             <a:r>
               <a:rPr kumimoji="0" lang="en-US" sz="1200" b="0" i="1" u="none" strike="noStrike" kern="1200" cap="none" spc="0" normalizeH="0" baseline="0" noProof="0" dirty="0">
@@ -4815,7 +4781,7 @@
                 <a:ea typeface="Calibri Light" panose="020F0302020204030204" pitchFamily="34" charset="0"/>
                 <a:cs typeface="Calibri Light" panose="020F0302020204030204" pitchFamily="34" charset="0"/>
               </a:rPr>
-              <a:t> : 5)</a:t>
+              <a:t>5)</a:t>
             </a:r>
             <a:endParaRPr kumimoji="0" lang="en-CA" sz="1200" b="0" i="1" u="none" strike="noStrike" kern="1200" cap="none" spc="0" normalizeH="0" baseline="0" noProof="0" dirty="0">
               <a:ln>
@@ -5095,13 +5061,13 @@
   <p:clrMapOvr>
     <a:masterClrMapping/>
   </p:clrMapOvr>
-  <mc:AlternateContent xmlns:mc="http://schemas.openxmlformats.org/markup-compatibility/2006">
-    <mc:Choice xmlns:p14="http://schemas.microsoft.com/office/powerpoint/2010/main" Requires="p14">
+  <mc:AlternateContent xmlns:mc="http://schemas.openxmlformats.org/markup-compatibility/2006" xmlns:p14="http://schemas.microsoft.com/office/powerpoint/2010/main">
+    <mc:Choice Requires="p14">
       <p:transition p14:dur="300">
         <p:fade/>
       </p:transition>
     </mc:Choice>
-    <mc:Fallback>
+    <mc:Fallback xmlns="">
       <p:transition>
         <p:fade/>
       </p:transition>
@@ -5237,13 +5203,13 @@
   <p:clrMapOvr>
     <a:masterClrMapping/>
   </p:clrMapOvr>
-  <mc:AlternateContent xmlns:mc="http://schemas.openxmlformats.org/markup-compatibility/2006">
-    <mc:Choice xmlns:p14="http://schemas.microsoft.com/office/powerpoint/2010/main" Requires="p14">
+  <mc:AlternateContent xmlns:mc="http://schemas.openxmlformats.org/markup-compatibility/2006" xmlns:p14="http://schemas.microsoft.com/office/powerpoint/2010/main">
+    <mc:Choice Requires="p14">
       <p:transition p14:dur="300">
         <p:fade/>
       </p:transition>
     </mc:Choice>
-    <mc:Fallback>
+    <mc:Fallback xmlns="">
       <p:transition>
         <p:fade/>
       </p:transition>
@@ -5373,13 +5339,13 @@
   <p:clrMapOvr>
     <a:masterClrMapping/>
   </p:clrMapOvr>
-  <mc:AlternateContent xmlns:mc="http://schemas.openxmlformats.org/markup-compatibility/2006">
-    <mc:Choice xmlns:p14="http://schemas.microsoft.com/office/powerpoint/2010/main" Requires="p14">
+  <mc:AlternateContent xmlns:mc="http://schemas.openxmlformats.org/markup-compatibility/2006" xmlns:p14="http://schemas.microsoft.com/office/powerpoint/2010/main">
+    <mc:Choice Requires="p14">
       <p:transition p14:dur="300">
         <p:fade/>
       </p:transition>
     </mc:Choice>
-    <mc:Fallback>
+    <mc:Fallback xmlns="">
       <p:transition>
         <p:fade/>
       </p:transition>
@@ -5497,13 +5463,13 @@
   <p:clrMapOvr>
     <a:masterClrMapping/>
   </p:clrMapOvr>
-  <mc:AlternateContent xmlns:mc="http://schemas.openxmlformats.org/markup-compatibility/2006">
-    <mc:Choice xmlns:p14="http://schemas.microsoft.com/office/powerpoint/2010/main" Requires="p14">
+  <mc:AlternateContent xmlns:mc="http://schemas.openxmlformats.org/markup-compatibility/2006" xmlns:p14="http://schemas.microsoft.com/office/powerpoint/2010/main">
+    <mc:Choice Requires="p14">
       <p:transition p14:dur="300">
         <p:fade/>
       </p:transition>
     </mc:Choice>
-    <mc:Fallback>
+    <mc:Fallback xmlns="">
       <p:transition>
         <p:fade/>
       </p:transition>
@@ -5627,13 +5593,13 @@
   <p:clrMapOvr>
     <a:masterClrMapping/>
   </p:clrMapOvr>
-  <mc:AlternateContent xmlns:mc="http://schemas.openxmlformats.org/markup-compatibility/2006">
-    <mc:Choice xmlns:p14="http://schemas.microsoft.com/office/powerpoint/2010/main" Requires="p14">
+  <mc:AlternateContent xmlns:mc="http://schemas.openxmlformats.org/markup-compatibility/2006" xmlns:p14="http://schemas.microsoft.com/office/powerpoint/2010/main">
+    <mc:Choice Requires="p14">
       <p:transition p14:dur="300">
         <p:fade/>
       </p:transition>
     </mc:Choice>
-    <mc:Fallback>
+    <mc:Fallback xmlns="">
       <p:transition>
         <p:fade/>
       </p:transition>
@@ -5775,13 +5741,13 @@
   <p:clrMapOvr>
     <a:masterClrMapping/>
   </p:clrMapOvr>
-  <mc:AlternateContent xmlns:mc="http://schemas.openxmlformats.org/markup-compatibility/2006">
-    <mc:Choice xmlns:p14="http://schemas.microsoft.com/office/powerpoint/2010/main" Requires="p14">
+  <mc:AlternateContent xmlns:mc="http://schemas.openxmlformats.org/markup-compatibility/2006" xmlns:p14="http://schemas.microsoft.com/office/powerpoint/2010/main">
+    <mc:Choice Requires="p14">
       <p:transition p14:dur="300">
         <p:fade/>
       </p:transition>
     </mc:Choice>
-    <mc:Fallback>
+    <mc:Fallback xmlns="">
       <p:transition>
         <p:fade/>
       </p:transition>
@@ -5911,13 +5877,13 @@
   <p:clrMapOvr>
     <a:masterClrMapping/>
   </p:clrMapOvr>
-  <mc:AlternateContent xmlns:mc="http://schemas.openxmlformats.org/markup-compatibility/2006">
-    <mc:Choice xmlns:p14="http://schemas.microsoft.com/office/powerpoint/2010/main" Requires="p14">
+  <mc:AlternateContent xmlns:mc="http://schemas.openxmlformats.org/markup-compatibility/2006" xmlns:p14="http://schemas.microsoft.com/office/powerpoint/2010/main">
+    <mc:Choice Requires="p14">
       <p:transition p14:dur="300">
         <p:fade/>
       </p:transition>
     </mc:Choice>
-    <mc:Fallback>
+    <mc:Fallback xmlns="">
       <p:transition>
         <p:fade/>
       </p:transition>
@@ -6035,13 +6001,13 @@
   <p:clrMapOvr>
     <a:masterClrMapping/>
   </p:clrMapOvr>
-  <mc:AlternateContent xmlns:mc="http://schemas.openxmlformats.org/markup-compatibility/2006">
-    <mc:Choice xmlns:p14="http://schemas.microsoft.com/office/powerpoint/2010/main" Requires="p14">
+  <mc:AlternateContent xmlns:mc="http://schemas.openxmlformats.org/markup-compatibility/2006" xmlns:p14="http://schemas.microsoft.com/office/powerpoint/2010/main">
+    <mc:Choice Requires="p14">
       <p:transition p14:dur="300">
         <p:fade/>
       </p:transition>
     </mc:Choice>
-    <mc:Fallback>
+    <mc:Fallback xmlns="">
       <p:transition>
         <p:fade/>
       </p:transition>
@@ -6159,13 +6125,13 @@
   <p:clrMapOvr>
     <a:masterClrMapping/>
   </p:clrMapOvr>
-  <mc:AlternateContent xmlns:mc="http://schemas.openxmlformats.org/markup-compatibility/2006">
-    <mc:Choice xmlns:p14="http://schemas.microsoft.com/office/powerpoint/2010/main" Requires="p14">
+  <mc:AlternateContent xmlns:mc="http://schemas.openxmlformats.org/markup-compatibility/2006" xmlns:p14="http://schemas.microsoft.com/office/powerpoint/2010/main">
+    <mc:Choice Requires="p14">
       <p:transition p14:dur="300">
         <p:fade/>
       </p:transition>
     </mc:Choice>
-    <mc:Fallback>
+    <mc:Fallback xmlns="">
       <p:transition>
         <p:fade/>
       </p:transition>
@@ -6283,13 +6249,13 @@
   <p:clrMapOvr>
     <a:masterClrMapping/>
   </p:clrMapOvr>
-  <mc:AlternateContent xmlns:mc="http://schemas.openxmlformats.org/markup-compatibility/2006">
-    <mc:Choice xmlns:p14="http://schemas.microsoft.com/office/powerpoint/2010/main" Requires="p14">
+  <mc:AlternateContent xmlns:mc="http://schemas.openxmlformats.org/markup-compatibility/2006" xmlns:p14="http://schemas.microsoft.com/office/powerpoint/2010/main">
+    <mc:Choice Requires="p14">
       <p:transition p14:dur="300">
         <p:fade/>
       </p:transition>
     </mc:Choice>
-    <mc:Fallback>
+    <mc:Fallback xmlns="">
       <p:transition>
         <p:fade/>
       </p:transition>
@@ -6407,13 +6373,13 @@
   <p:clrMapOvr>
     <a:masterClrMapping/>
   </p:clrMapOvr>
-  <mc:AlternateContent xmlns:mc="http://schemas.openxmlformats.org/markup-compatibility/2006">
-    <mc:Choice xmlns:p14="http://schemas.microsoft.com/office/powerpoint/2010/main" Requires="p14">
+  <mc:AlternateContent xmlns:mc="http://schemas.openxmlformats.org/markup-compatibility/2006" xmlns:p14="http://schemas.microsoft.com/office/powerpoint/2010/main">
+    <mc:Choice Requires="p14">
       <p:transition p14:dur="300">
         <p:fade/>
       </p:transition>
     </mc:Choice>
-    <mc:Fallback>
+    <mc:Fallback xmlns="">
       <p:transition>
         <p:fade/>
       </p:transition>
@@ -6522,13 +6488,13 @@
   <p:clrMapOvr>
     <a:masterClrMapping/>
   </p:clrMapOvr>
-  <mc:AlternateContent xmlns:mc="http://schemas.openxmlformats.org/markup-compatibility/2006">
-    <mc:Choice xmlns:p14="http://schemas.microsoft.com/office/powerpoint/2010/main" Requires="p14">
+  <mc:AlternateContent xmlns:mc="http://schemas.openxmlformats.org/markup-compatibility/2006" xmlns:p14="http://schemas.microsoft.com/office/powerpoint/2010/main">
+    <mc:Choice Requires="p14">
       <p:transition p14:dur="300">
         <p:fade/>
       </p:transition>
     </mc:Choice>
-    <mc:Fallback>
+    <mc:Fallback xmlns="">
       <p:transition>
         <p:fade/>
       </p:transition>
@@ -6646,13 +6612,13 @@
   <p:clrMapOvr>
     <a:masterClrMapping/>
   </p:clrMapOvr>
-  <mc:AlternateContent xmlns:mc="http://schemas.openxmlformats.org/markup-compatibility/2006">
-    <mc:Choice xmlns:p14="http://schemas.microsoft.com/office/powerpoint/2010/main" Requires="p14">
+  <mc:AlternateContent xmlns:mc="http://schemas.openxmlformats.org/markup-compatibility/2006" xmlns:p14="http://schemas.microsoft.com/office/powerpoint/2010/main">
+    <mc:Choice Requires="p14">
       <p:transition p14:dur="300">
         <p:fade/>
       </p:transition>
     </mc:Choice>
-    <mc:Fallback>
+    <mc:Fallback xmlns="">
       <p:transition>
         <p:fade/>
       </p:transition>
@@ -6776,13 +6742,13 @@
   <p:clrMapOvr>
     <a:masterClrMapping/>
   </p:clrMapOvr>
-  <mc:AlternateContent xmlns:mc="http://schemas.openxmlformats.org/markup-compatibility/2006">
-    <mc:Choice xmlns:p14="http://schemas.microsoft.com/office/powerpoint/2010/main" Requires="p14">
+  <mc:AlternateContent xmlns:mc="http://schemas.openxmlformats.org/markup-compatibility/2006" xmlns:p14="http://schemas.microsoft.com/office/powerpoint/2010/main">
+    <mc:Choice Requires="p14">
       <p:transition p14:dur="300">
         <p:fade/>
       </p:transition>
     </mc:Choice>
-    <mc:Fallback>
+    <mc:Fallback xmlns="">
       <p:transition>
         <p:fade/>
       </p:transition>
@@ -6906,13 +6872,13 @@
   <p:clrMapOvr>
     <a:masterClrMapping/>
   </p:clrMapOvr>
-  <mc:AlternateContent xmlns:mc="http://schemas.openxmlformats.org/markup-compatibility/2006">
-    <mc:Choice xmlns:p14="http://schemas.microsoft.com/office/powerpoint/2010/main" Requires="p14">
+  <mc:AlternateContent xmlns:mc="http://schemas.openxmlformats.org/markup-compatibility/2006" xmlns:p14="http://schemas.microsoft.com/office/powerpoint/2010/main">
+    <mc:Choice Requires="p14">
       <p:transition p14:dur="300">
         <p:fade/>
       </p:transition>
     </mc:Choice>
-    <mc:Fallback>
+    <mc:Fallback xmlns="">
       <p:transition>
         <p:fade/>
       </p:transition>
@@ -7030,13 +6996,13 @@
   <p:clrMapOvr>
     <a:masterClrMapping/>
   </p:clrMapOvr>
-  <mc:AlternateContent xmlns:mc="http://schemas.openxmlformats.org/markup-compatibility/2006">
-    <mc:Choice xmlns:p14="http://schemas.microsoft.com/office/powerpoint/2010/main" Requires="p14">
+  <mc:AlternateContent xmlns:mc="http://schemas.openxmlformats.org/markup-compatibility/2006" xmlns:p14="http://schemas.microsoft.com/office/powerpoint/2010/main">
+    <mc:Choice Requires="p14">
       <p:transition p14:dur="300">
         <p:fade/>
       </p:transition>
     </mc:Choice>
-    <mc:Fallback>
+    <mc:Fallback xmlns="">
       <p:transition>
         <p:fade/>
       </p:transition>
@@ -7166,13 +7132,13 @@
   <p:clrMapOvr>
     <a:masterClrMapping/>
   </p:clrMapOvr>
-  <mc:AlternateContent xmlns:mc="http://schemas.openxmlformats.org/markup-compatibility/2006">
-    <mc:Choice xmlns:p14="http://schemas.microsoft.com/office/powerpoint/2010/main" Requires="p14">
+  <mc:AlternateContent xmlns:mc="http://schemas.openxmlformats.org/markup-compatibility/2006" xmlns:p14="http://schemas.microsoft.com/office/powerpoint/2010/main">
+    <mc:Choice Requires="p14">
       <p:transition p14:dur="300">
         <p:fade/>
       </p:transition>
     </mc:Choice>
-    <mc:Fallback>
+    <mc:Fallback xmlns="">
       <p:transition>
         <p:fade/>
       </p:transition>
@@ -7296,13 +7262,13 @@
   <p:clrMapOvr>
     <a:masterClrMapping/>
   </p:clrMapOvr>
-  <mc:AlternateContent xmlns:mc="http://schemas.openxmlformats.org/markup-compatibility/2006">
-    <mc:Choice xmlns:p14="http://schemas.microsoft.com/office/powerpoint/2010/main" Requires="p14">
+  <mc:AlternateContent xmlns:mc="http://schemas.openxmlformats.org/markup-compatibility/2006" xmlns:p14="http://schemas.microsoft.com/office/powerpoint/2010/main">
+    <mc:Choice Requires="p14">
       <p:transition p14:dur="300">
         <p:fade/>
       </p:transition>
     </mc:Choice>
-    <mc:Fallback>
+    <mc:Fallback xmlns="">
       <p:transition>
         <p:fade/>
       </p:transition>
@@ -7420,13 +7386,13 @@
   <p:clrMapOvr>
     <a:masterClrMapping/>
   </p:clrMapOvr>
-  <mc:AlternateContent xmlns:mc="http://schemas.openxmlformats.org/markup-compatibility/2006">
-    <mc:Choice xmlns:p14="http://schemas.microsoft.com/office/powerpoint/2010/main" Requires="p14">
+  <mc:AlternateContent xmlns:mc="http://schemas.openxmlformats.org/markup-compatibility/2006" xmlns:p14="http://schemas.microsoft.com/office/powerpoint/2010/main">
+    <mc:Choice Requires="p14">
       <p:transition p14:dur="300">
         <p:fade/>
       </p:transition>
     </mc:Choice>
-    <mc:Fallback>
+    <mc:Fallback xmlns="">
       <p:transition>
         <p:fade/>
       </p:transition>
@@ -7556,13 +7522,13 @@
   <p:clrMapOvr>
     <a:masterClrMapping/>
   </p:clrMapOvr>
-  <mc:AlternateContent xmlns:mc="http://schemas.openxmlformats.org/markup-compatibility/2006">
-    <mc:Choice xmlns:p14="http://schemas.microsoft.com/office/powerpoint/2010/main" Requires="p14">
+  <mc:AlternateContent xmlns:mc="http://schemas.openxmlformats.org/markup-compatibility/2006" xmlns:p14="http://schemas.microsoft.com/office/powerpoint/2010/main">
+    <mc:Choice Requires="p14">
       <p:transition p14:dur="300">
         <p:fade/>
       </p:transition>
     </mc:Choice>
-    <mc:Fallback>
+    <mc:Fallback xmlns="">
       <p:transition>
         <p:fade/>
       </p:transition>
@@ -7686,13 +7652,13 @@
   <p:clrMapOvr>
     <a:masterClrMapping/>
   </p:clrMapOvr>
-  <mc:AlternateContent xmlns:mc="http://schemas.openxmlformats.org/markup-compatibility/2006">
-    <mc:Choice xmlns:p14="http://schemas.microsoft.com/office/powerpoint/2010/main" Requires="p14">
+  <mc:AlternateContent xmlns:mc="http://schemas.openxmlformats.org/markup-compatibility/2006" xmlns:p14="http://schemas.microsoft.com/office/powerpoint/2010/main">
+    <mc:Choice Requires="p14">
       <p:transition p14:dur="300">
         <p:fade/>
       </p:transition>
     </mc:Choice>
-    <mc:Fallback>
+    <mc:Fallback xmlns="">
       <p:transition>
         <p:fade/>
       </p:transition>
@@ -7810,13 +7776,13 @@
   <p:clrMapOvr>
     <a:masterClrMapping/>
   </p:clrMapOvr>
-  <mc:AlternateContent xmlns:mc="http://schemas.openxmlformats.org/markup-compatibility/2006">
-    <mc:Choice xmlns:p14="http://schemas.microsoft.com/office/powerpoint/2010/main" Requires="p14">
+  <mc:AlternateContent xmlns:mc="http://schemas.openxmlformats.org/markup-compatibility/2006" xmlns:p14="http://schemas.microsoft.com/office/powerpoint/2010/main">
+    <mc:Choice Requires="p14">
       <p:transition p14:dur="300">
         <p:fade/>
       </p:transition>
     </mc:Choice>
-    <mc:Fallback>
+    <mc:Fallback xmlns="">
       <p:transition>
         <p:fade/>
       </p:transition>
@@ -7925,13 +7891,13 @@
   <p:clrMapOvr>
     <a:masterClrMapping/>
   </p:clrMapOvr>
-  <mc:AlternateContent xmlns:mc="http://schemas.openxmlformats.org/markup-compatibility/2006">
-    <mc:Choice xmlns:p14="http://schemas.microsoft.com/office/powerpoint/2010/main" Requires="p14">
+  <mc:AlternateContent xmlns:mc="http://schemas.openxmlformats.org/markup-compatibility/2006" xmlns:p14="http://schemas.microsoft.com/office/powerpoint/2010/main">
+    <mc:Choice Requires="p14">
       <p:transition p14:dur="300">
         <p:fade/>
       </p:transition>
     </mc:Choice>
-    <mc:Fallback>
+    <mc:Fallback xmlns="">
       <p:transition>
         <p:fade/>
       </p:transition>
@@ -8061,13 +8027,13 @@
   <p:clrMapOvr>
     <a:masterClrMapping/>
   </p:clrMapOvr>
-  <mc:AlternateContent xmlns:mc="http://schemas.openxmlformats.org/markup-compatibility/2006">
-    <mc:Choice xmlns:p14="http://schemas.microsoft.com/office/powerpoint/2010/main" Requires="p14">
+  <mc:AlternateContent xmlns:mc="http://schemas.openxmlformats.org/markup-compatibility/2006" xmlns:p14="http://schemas.microsoft.com/office/powerpoint/2010/main">
+    <mc:Choice Requires="p14">
       <p:transition p14:dur="300">
         <p:fade/>
       </p:transition>
     </mc:Choice>
-    <mc:Fallback>
+    <mc:Fallback xmlns="">
       <p:transition>
         <p:fade/>
       </p:transition>
@@ -8197,13 +8163,13 @@
   <p:clrMapOvr>
     <a:masterClrMapping/>
   </p:clrMapOvr>
-  <mc:AlternateContent xmlns:mc="http://schemas.openxmlformats.org/markup-compatibility/2006">
-    <mc:Choice xmlns:p14="http://schemas.microsoft.com/office/powerpoint/2010/main" Requires="p14">
+  <mc:AlternateContent xmlns:mc="http://schemas.openxmlformats.org/markup-compatibility/2006" xmlns:p14="http://schemas.microsoft.com/office/powerpoint/2010/main">
+    <mc:Choice Requires="p14">
       <p:transition p14:dur="300">
         <p:fade/>
       </p:transition>
     </mc:Choice>
-    <mc:Fallback>
+    <mc:Fallback xmlns="">
       <p:transition>
         <p:fade/>
       </p:transition>
@@ -8333,13 +8299,13 @@
   <p:clrMapOvr>
     <a:masterClrMapping/>
   </p:clrMapOvr>
-  <mc:AlternateContent xmlns:mc="http://schemas.openxmlformats.org/markup-compatibility/2006">
-    <mc:Choice xmlns:p14="http://schemas.microsoft.com/office/powerpoint/2010/main" Requires="p14">
+  <mc:AlternateContent xmlns:mc="http://schemas.openxmlformats.org/markup-compatibility/2006" xmlns:p14="http://schemas.microsoft.com/office/powerpoint/2010/main">
+    <mc:Choice Requires="p14">
       <p:transition p14:dur="300">
         <p:fade/>
       </p:transition>
     </mc:Choice>
-    <mc:Fallback>
+    <mc:Fallback xmlns="">
       <p:transition>
         <p:fade/>
       </p:transition>
@@ -8469,13 +8435,13 @@
   <p:clrMapOvr>
     <a:masterClrMapping/>
   </p:clrMapOvr>
-  <mc:AlternateContent xmlns:mc="http://schemas.openxmlformats.org/markup-compatibility/2006">
-    <mc:Choice xmlns:p14="http://schemas.microsoft.com/office/powerpoint/2010/main" Requires="p14">
+  <mc:AlternateContent xmlns:mc="http://schemas.openxmlformats.org/markup-compatibility/2006" xmlns:p14="http://schemas.microsoft.com/office/powerpoint/2010/main">
+    <mc:Choice Requires="p14">
       <p:transition p14:dur="300">
         <p:fade/>
       </p:transition>
     </mc:Choice>
-    <mc:Fallback>
+    <mc:Fallback xmlns="">
       <p:transition>
         <p:fade/>
       </p:transition>
@@ -8593,13 +8559,13 @@
   <p:clrMapOvr>
     <a:masterClrMapping/>
   </p:clrMapOvr>
-  <mc:AlternateContent xmlns:mc="http://schemas.openxmlformats.org/markup-compatibility/2006">
-    <mc:Choice xmlns:p14="http://schemas.microsoft.com/office/powerpoint/2010/main" Requires="p14">
+  <mc:AlternateContent xmlns:mc="http://schemas.openxmlformats.org/markup-compatibility/2006" xmlns:p14="http://schemas.microsoft.com/office/powerpoint/2010/main">
+    <mc:Choice Requires="p14">
       <p:transition p14:dur="300">
         <p:fade/>
       </p:transition>
     </mc:Choice>
-    <mc:Fallback>
+    <mc:Fallback xmlns="">
       <p:transition>
         <p:fade/>
       </p:transition>
@@ -8717,13 +8683,13 @@
   <p:clrMapOvr>
     <a:masterClrMapping/>
   </p:clrMapOvr>
-  <mc:AlternateContent xmlns:mc="http://schemas.openxmlformats.org/markup-compatibility/2006">
-    <mc:Choice xmlns:p14="http://schemas.microsoft.com/office/powerpoint/2010/main" Requires="p14">
+  <mc:AlternateContent xmlns:mc="http://schemas.openxmlformats.org/markup-compatibility/2006" xmlns:p14="http://schemas.microsoft.com/office/powerpoint/2010/main">
+    <mc:Choice Requires="p14">
       <p:transition p14:dur="300">
         <p:fade/>
       </p:transition>
     </mc:Choice>
-    <mc:Fallback>
+    <mc:Fallback xmlns="">
       <p:transition>
         <p:fade/>
       </p:transition>
@@ -8841,13 +8807,13 @@
   <p:clrMapOvr>
     <a:masterClrMapping/>
   </p:clrMapOvr>
-  <mc:AlternateContent xmlns:mc="http://schemas.openxmlformats.org/markup-compatibility/2006">
-    <mc:Choice xmlns:p14="http://schemas.microsoft.com/office/powerpoint/2010/main" Requires="p14">
+  <mc:AlternateContent xmlns:mc="http://schemas.openxmlformats.org/markup-compatibility/2006" xmlns:p14="http://schemas.microsoft.com/office/powerpoint/2010/main">
+    <mc:Choice Requires="p14">
       <p:transition p14:dur="300">
         <p:fade/>
       </p:transition>
     </mc:Choice>
-    <mc:Fallback>
+    <mc:Fallback xmlns="">
       <p:transition>
         <p:fade/>
       </p:transition>
@@ -8983,13 +8949,13 @@
   <p:clrMapOvr>
     <a:masterClrMapping/>
   </p:clrMapOvr>
-  <mc:AlternateContent xmlns:mc="http://schemas.openxmlformats.org/markup-compatibility/2006">
-    <mc:Choice xmlns:p14="http://schemas.microsoft.com/office/powerpoint/2010/main" Requires="p14">
+  <mc:AlternateContent xmlns:mc="http://schemas.openxmlformats.org/markup-compatibility/2006" xmlns:p14="http://schemas.microsoft.com/office/powerpoint/2010/main">
+    <mc:Choice Requires="p14">
       <p:transition p14:dur="300">
         <p:fade/>
       </p:transition>
     </mc:Choice>
-    <mc:Fallback>
+    <mc:Fallback xmlns="">
       <p:transition>
         <p:fade/>
       </p:transition>
@@ -9125,13 +9091,13 @@
   <p:clrMapOvr>
     <a:masterClrMapping/>
   </p:clrMapOvr>
-  <mc:AlternateContent xmlns:mc="http://schemas.openxmlformats.org/markup-compatibility/2006">
-    <mc:Choice xmlns:p14="http://schemas.microsoft.com/office/powerpoint/2010/main" Requires="p14">
+  <mc:AlternateContent xmlns:mc="http://schemas.openxmlformats.org/markup-compatibility/2006" xmlns:p14="http://schemas.microsoft.com/office/powerpoint/2010/main">
+    <mc:Choice Requires="p14">
       <p:transition p14:dur="300">
         <p:fade/>
       </p:transition>
     </mc:Choice>
-    <mc:Fallback>
+    <mc:Fallback xmlns="">
       <p:transition>
         <p:fade/>
       </p:transition>
@@ -9249,13 +9215,13 @@
   <p:clrMapOvr>
     <a:masterClrMapping/>
   </p:clrMapOvr>
-  <mc:AlternateContent xmlns:mc="http://schemas.openxmlformats.org/markup-compatibility/2006">
-    <mc:Choice xmlns:p14="http://schemas.microsoft.com/office/powerpoint/2010/main" Requires="p14">
+  <mc:AlternateContent xmlns:mc="http://schemas.openxmlformats.org/markup-compatibility/2006" xmlns:p14="http://schemas.microsoft.com/office/powerpoint/2010/main">
+    <mc:Choice Requires="p14">
       <p:transition p14:dur="300">
         <p:fade/>
       </p:transition>
     </mc:Choice>
-    <mc:Fallback>
+    <mc:Fallback xmlns="">
       <p:transition>
         <p:fade/>
       </p:transition>
@@ -9403,13 +9369,13 @@
   <p:clrMapOvr>
     <a:masterClrMapping/>
   </p:clrMapOvr>
-  <mc:AlternateContent xmlns:mc="http://schemas.openxmlformats.org/markup-compatibility/2006">
-    <mc:Choice xmlns:p14="http://schemas.microsoft.com/office/powerpoint/2010/main" Requires="p14">
+  <mc:AlternateContent xmlns:mc="http://schemas.openxmlformats.org/markup-compatibility/2006" xmlns:p14="http://schemas.microsoft.com/office/powerpoint/2010/main">
+    <mc:Choice Requires="p14">
       <p:transition p14:dur="300">
         <p:fade/>
       </p:transition>
     </mc:Choice>
-    <mc:Fallback>
+    <mc:Fallback xmlns="">
       <p:transition>
         <p:fade/>
       </p:transition>
@@ -9527,13 +9493,13 @@
   <p:clrMapOvr>
     <a:masterClrMapping/>
   </p:clrMapOvr>
-  <mc:AlternateContent xmlns:mc="http://schemas.openxmlformats.org/markup-compatibility/2006">
-    <mc:Choice xmlns:p14="http://schemas.microsoft.com/office/powerpoint/2010/main" Requires="p14">
+  <mc:AlternateContent xmlns:mc="http://schemas.openxmlformats.org/markup-compatibility/2006" xmlns:p14="http://schemas.microsoft.com/office/powerpoint/2010/main">
+    <mc:Choice Requires="p14">
       <p:transition p14:dur="300">
         <p:fade/>
       </p:transition>
     </mc:Choice>
-    <mc:Fallback>
+    <mc:Fallback xmlns="">
       <p:transition>
         <p:fade/>
       </p:transition>
@@ -9663,13 +9629,13 @@
   <p:clrMapOvr>
     <a:masterClrMapping/>
   </p:clrMapOvr>
-  <mc:AlternateContent xmlns:mc="http://schemas.openxmlformats.org/markup-compatibility/2006">
-    <mc:Choice xmlns:p14="http://schemas.microsoft.com/office/powerpoint/2010/main" Requires="p14">
+  <mc:AlternateContent xmlns:mc="http://schemas.openxmlformats.org/markup-compatibility/2006" xmlns:p14="http://schemas.microsoft.com/office/powerpoint/2010/main">
+    <mc:Choice Requires="p14">
       <p:transition p14:dur="300">
         <p:fade/>
       </p:transition>
     </mc:Choice>
-    <mc:Fallback>
+    <mc:Fallback xmlns="">
       <p:transition>
         <p:fade/>
       </p:transition>
@@ -9799,13 +9765,13 @@
   <p:clrMapOvr>
     <a:masterClrMapping/>
   </p:clrMapOvr>
-  <mc:AlternateContent xmlns:mc="http://schemas.openxmlformats.org/markup-compatibility/2006">
-    <mc:Choice xmlns:p14="http://schemas.microsoft.com/office/powerpoint/2010/main" Requires="p14">
+  <mc:AlternateContent xmlns:mc="http://schemas.openxmlformats.org/markup-compatibility/2006" xmlns:p14="http://schemas.microsoft.com/office/powerpoint/2010/main">
+    <mc:Choice Requires="p14">
       <p:transition p14:dur="300">
         <p:fade/>
       </p:transition>
     </mc:Choice>
-    <mc:Fallback>
+    <mc:Fallback xmlns="">
       <p:transition>
         <p:fade/>
       </p:transition>
@@ -9923,13 +9889,13 @@
   <p:clrMapOvr>
     <a:masterClrMapping/>
   </p:clrMapOvr>
-  <mc:AlternateContent xmlns:mc="http://schemas.openxmlformats.org/markup-compatibility/2006">
-    <mc:Choice xmlns:p14="http://schemas.microsoft.com/office/powerpoint/2010/main" Requires="p14">
+  <mc:AlternateContent xmlns:mc="http://schemas.openxmlformats.org/markup-compatibility/2006" xmlns:p14="http://schemas.microsoft.com/office/powerpoint/2010/main">
+    <mc:Choice Requires="p14">
       <p:transition p14:dur="300">
         <p:fade/>
       </p:transition>
     </mc:Choice>
-    <mc:Fallback>
+    <mc:Fallback xmlns="">
       <p:transition>
         <p:fade/>
       </p:transition>
@@ -10047,13 +10013,13 @@
   <p:clrMapOvr>
     <a:masterClrMapping/>
   </p:clrMapOvr>
-  <mc:AlternateContent xmlns:mc="http://schemas.openxmlformats.org/markup-compatibility/2006">
-    <mc:Choice xmlns:p14="http://schemas.microsoft.com/office/powerpoint/2010/main" Requires="p14">
+  <mc:AlternateContent xmlns:mc="http://schemas.openxmlformats.org/markup-compatibility/2006" xmlns:p14="http://schemas.microsoft.com/office/powerpoint/2010/main">
+    <mc:Choice Requires="p14">
       <p:transition p14:dur="300">
         <p:fade/>
       </p:transition>
     </mc:Choice>
-    <mc:Fallback>
+    <mc:Fallback xmlns="">
       <p:transition>
         <p:fade/>
       </p:transition>
@@ -10171,13 +10137,13 @@
   <p:clrMapOvr>
     <a:masterClrMapping/>
   </p:clrMapOvr>
-  <mc:AlternateContent xmlns:mc="http://schemas.openxmlformats.org/markup-compatibility/2006">
-    <mc:Choice xmlns:p14="http://schemas.microsoft.com/office/powerpoint/2010/main" Requires="p14">
+  <mc:AlternateContent xmlns:mc="http://schemas.openxmlformats.org/markup-compatibility/2006" xmlns:p14="http://schemas.microsoft.com/office/powerpoint/2010/main">
+    <mc:Choice Requires="p14">
       <p:transition p14:dur="300">
         <p:fade/>
       </p:transition>
     </mc:Choice>
-    <mc:Fallback>
+    <mc:Fallback xmlns="">
       <p:transition>
         <p:fade/>
       </p:transition>
@@ -10295,13 +10261,13 @@
   <p:clrMapOvr>
     <a:masterClrMapping/>
   </p:clrMapOvr>
-  <mc:AlternateContent xmlns:mc="http://schemas.openxmlformats.org/markup-compatibility/2006">
-    <mc:Choice xmlns:p14="http://schemas.microsoft.com/office/powerpoint/2010/main" Requires="p14">
+  <mc:AlternateContent xmlns:mc="http://schemas.openxmlformats.org/markup-compatibility/2006" xmlns:p14="http://schemas.microsoft.com/office/powerpoint/2010/main">
+    <mc:Choice Requires="p14">
       <p:transition p14:dur="300">
         <p:fade/>
       </p:transition>
     </mc:Choice>
-    <mc:Fallback>
+    <mc:Fallback xmlns="">
       <p:transition>
         <p:fade/>
       </p:transition>
@@ -10419,13 +10385,13 @@
   <p:clrMapOvr>
     <a:masterClrMapping/>
   </p:clrMapOvr>
-  <mc:AlternateContent xmlns:mc="http://schemas.openxmlformats.org/markup-compatibility/2006">
-    <mc:Choice xmlns:p14="http://schemas.microsoft.com/office/powerpoint/2010/main" Requires="p14">
+  <mc:AlternateContent xmlns:mc="http://schemas.openxmlformats.org/markup-compatibility/2006" xmlns:p14="http://schemas.microsoft.com/office/powerpoint/2010/main">
+    <mc:Choice Requires="p14">
       <p:transition p14:dur="300">
         <p:fade/>
       </p:transition>
     </mc:Choice>
-    <mc:Fallback>
+    <mc:Fallback xmlns="">
       <p:transition>
         <p:fade/>
       </p:transition>
@@ -10543,13 +10509,13 @@
   <p:clrMapOvr>
     <a:masterClrMapping/>
   </p:clrMapOvr>
-  <mc:AlternateContent xmlns:mc="http://schemas.openxmlformats.org/markup-compatibility/2006">
-    <mc:Choice xmlns:p14="http://schemas.microsoft.com/office/powerpoint/2010/main" Requires="p14">
+  <mc:AlternateContent xmlns:mc="http://schemas.openxmlformats.org/markup-compatibility/2006" xmlns:p14="http://schemas.microsoft.com/office/powerpoint/2010/main">
+    <mc:Choice Requires="p14">
       <p:transition p14:dur="300">
         <p:fade/>
       </p:transition>
     </mc:Choice>
-    <mc:Fallback>
+    <mc:Fallback xmlns="">
       <p:transition>
         <p:fade/>
       </p:transition>
@@ -10679,13 +10645,13 @@
   <p:clrMapOvr>
     <a:masterClrMapping/>
   </p:clrMapOvr>
-  <mc:AlternateContent xmlns:mc="http://schemas.openxmlformats.org/markup-compatibility/2006">
-    <mc:Choice xmlns:p14="http://schemas.microsoft.com/office/powerpoint/2010/main" Requires="p14">
+  <mc:AlternateContent xmlns:mc="http://schemas.openxmlformats.org/markup-compatibility/2006" xmlns:p14="http://schemas.microsoft.com/office/powerpoint/2010/main">
+    <mc:Choice Requires="p14">
       <p:transition p14:dur="300">
         <p:fade/>
       </p:transition>
     </mc:Choice>
-    <mc:Fallback>
+    <mc:Fallback xmlns="">
       <p:transition>
         <p:fade/>
       </p:transition>
@@ -10803,13 +10769,13 @@
   <p:clrMapOvr>
     <a:masterClrMapping/>
   </p:clrMapOvr>
-  <mc:AlternateContent xmlns:mc="http://schemas.openxmlformats.org/markup-compatibility/2006">
-    <mc:Choice xmlns:p14="http://schemas.microsoft.com/office/powerpoint/2010/main" Requires="p14">
+  <mc:AlternateContent xmlns:mc="http://schemas.openxmlformats.org/markup-compatibility/2006" xmlns:p14="http://schemas.microsoft.com/office/powerpoint/2010/main">
+    <mc:Choice Requires="p14">
       <p:transition p14:dur="300">
         <p:fade/>
       </p:transition>
     </mc:Choice>
-    <mc:Fallback>
+    <mc:Fallback xmlns="">
       <p:transition>
         <p:fade/>
       </p:transition>
@@ -10939,13 +10905,13 @@
   <p:clrMapOvr>
     <a:masterClrMapping/>
   </p:clrMapOvr>
-  <mc:AlternateContent xmlns:mc="http://schemas.openxmlformats.org/markup-compatibility/2006">
-    <mc:Choice xmlns:p14="http://schemas.microsoft.com/office/powerpoint/2010/main" Requires="p14">
+  <mc:AlternateContent xmlns:mc="http://schemas.openxmlformats.org/markup-compatibility/2006" xmlns:p14="http://schemas.microsoft.com/office/powerpoint/2010/main">
+    <mc:Choice Requires="p14">
       <p:transition p14:dur="300">
         <p:fade/>
       </p:transition>
     </mc:Choice>
-    <mc:Fallback>
+    <mc:Fallback xmlns="">
       <p:transition>
         <p:fade/>
       </p:transition>
@@ -11063,13 +11029,13 @@
   <p:clrMapOvr>
     <a:masterClrMapping/>
   </p:clrMapOvr>
-  <mc:AlternateContent xmlns:mc="http://schemas.openxmlformats.org/markup-compatibility/2006">
-    <mc:Choice xmlns:p14="http://schemas.microsoft.com/office/powerpoint/2010/main" Requires="p14">
+  <mc:AlternateContent xmlns:mc="http://schemas.openxmlformats.org/markup-compatibility/2006" xmlns:p14="http://schemas.microsoft.com/office/powerpoint/2010/main">
+    <mc:Choice Requires="p14">
       <p:transition p14:dur="300">
         <p:fade/>
       </p:transition>
     </mc:Choice>
-    <mc:Fallback>
+    <mc:Fallback xmlns="">
       <p:transition>
         <p:fade/>
       </p:transition>
@@ -11193,13 +11159,13 @@
   <p:clrMapOvr>
     <a:masterClrMapping/>
   </p:clrMapOvr>
-  <mc:AlternateContent xmlns:mc="http://schemas.openxmlformats.org/markup-compatibility/2006">
-    <mc:Choice xmlns:p14="http://schemas.microsoft.com/office/powerpoint/2010/main" Requires="p14">
+  <mc:AlternateContent xmlns:mc="http://schemas.openxmlformats.org/markup-compatibility/2006" xmlns:p14="http://schemas.microsoft.com/office/powerpoint/2010/main">
+    <mc:Choice Requires="p14">
       <p:transition p14:dur="300">
         <p:fade/>
       </p:transition>
     </mc:Choice>
-    <mc:Fallback>
+    <mc:Fallback xmlns="">
       <p:transition>
         <p:fade/>
       </p:transition>
@@ -11358,13 +11324,13 @@
   <p:clrMapOvr>
     <a:masterClrMapping/>
   </p:clrMapOvr>
-  <mc:AlternateContent xmlns:mc="http://schemas.openxmlformats.org/markup-compatibility/2006">
-    <mc:Choice xmlns:p14="http://schemas.microsoft.com/office/powerpoint/2010/main" Requires="p14">
+  <mc:AlternateContent xmlns:mc="http://schemas.openxmlformats.org/markup-compatibility/2006" xmlns:p14="http://schemas.microsoft.com/office/powerpoint/2010/main">
+    <mc:Choice Requires="p14">
       <p:transition p14:dur="300">
         <p:fade/>
       </p:transition>
     </mc:Choice>
-    <mc:Fallback>
+    <mc:Fallback xmlns="">
       <p:transition>
         <p:fade/>
       </p:transition>
@@ -11493,13 +11459,13 @@
   <p:clrMapOvr>
     <a:masterClrMapping/>
   </p:clrMapOvr>
-  <mc:AlternateContent xmlns:mc="http://schemas.openxmlformats.org/markup-compatibility/2006">
-    <mc:Choice xmlns:p14="http://schemas.microsoft.com/office/powerpoint/2010/main" Requires="p14">
+  <mc:AlternateContent xmlns:mc="http://schemas.openxmlformats.org/markup-compatibility/2006" xmlns:p14="http://schemas.microsoft.com/office/powerpoint/2010/main">
+    <mc:Choice Requires="p14">
       <p:transition p14:dur="300">
         <p:fade/>
       </p:transition>
     </mc:Choice>
-    <mc:Fallback>
+    <mc:Fallback xmlns="">
       <p:transition>
         <p:fade/>
       </p:transition>
@@ -11617,13 +11583,13 @@
   <p:clrMapOvr>
     <a:masterClrMapping/>
   </p:clrMapOvr>
-  <mc:AlternateContent xmlns:mc="http://schemas.openxmlformats.org/markup-compatibility/2006">
-    <mc:Choice xmlns:p14="http://schemas.microsoft.com/office/powerpoint/2010/main" Requires="p14">
+  <mc:AlternateContent xmlns:mc="http://schemas.openxmlformats.org/markup-compatibility/2006" xmlns:p14="http://schemas.microsoft.com/office/powerpoint/2010/main">
+    <mc:Choice Requires="p14">
       <p:transition p14:dur="300">
         <p:fade/>
       </p:transition>
     </mc:Choice>
-    <mc:Fallback>
+    <mc:Fallback xmlns="">
       <p:transition>
         <p:fade/>
       </p:transition>
@@ -11741,13 +11707,13 @@
   <p:clrMapOvr>
     <a:masterClrMapping/>
   </p:clrMapOvr>
-  <mc:AlternateContent xmlns:mc="http://schemas.openxmlformats.org/markup-compatibility/2006">
-    <mc:Choice xmlns:p14="http://schemas.microsoft.com/office/powerpoint/2010/main" Requires="p14">
+  <mc:AlternateContent xmlns:mc="http://schemas.openxmlformats.org/markup-compatibility/2006" xmlns:p14="http://schemas.microsoft.com/office/powerpoint/2010/main">
+    <mc:Choice Requires="p14">
       <p:transition p14:dur="300">
         <p:fade/>
       </p:transition>
     </mc:Choice>
-    <mc:Fallback>
+    <mc:Fallback xmlns="">
       <p:transition>
         <p:fade/>
       </p:transition>
@@ -11871,13 +11837,13 @@
   <p:clrMapOvr>
     <a:masterClrMapping/>
   </p:clrMapOvr>
-  <mc:AlternateContent xmlns:mc="http://schemas.openxmlformats.org/markup-compatibility/2006">
-    <mc:Choice xmlns:p14="http://schemas.microsoft.com/office/powerpoint/2010/main" Requires="p14">
+  <mc:AlternateContent xmlns:mc="http://schemas.openxmlformats.org/markup-compatibility/2006" xmlns:p14="http://schemas.microsoft.com/office/powerpoint/2010/main">
+    <mc:Choice Requires="p14">
       <p:transition p14:dur="300">
         <p:fade/>
       </p:transition>
     </mc:Choice>
-    <mc:Fallback>
+    <mc:Fallback xmlns="">
       <p:transition>
         <p:fade/>
       </p:transition>
@@ -11995,13 +11961,13 @@
   <p:clrMapOvr>
     <a:masterClrMapping/>
   </p:clrMapOvr>
-  <mc:AlternateContent xmlns:mc="http://schemas.openxmlformats.org/markup-compatibility/2006">
-    <mc:Choice xmlns:p14="http://schemas.microsoft.com/office/powerpoint/2010/main" Requires="p14">
+  <mc:AlternateContent xmlns:mc="http://schemas.openxmlformats.org/markup-compatibility/2006" xmlns:p14="http://schemas.microsoft.com/office/powerpoint/2010/main">
+    <mc:Choice Requires="p14">
       <p:transition p14:dur="300">
         <p:fade/>
       </p:transition>
     </mc:Choice>
-    <mc:Fallback>
+    <mc:Fallback xmlns="">
       <p:transition>
         <p:fade/>
       </p:transition>
@@ -12125,13 +12091,13 @@
   <p:clrMapOvr>
     <a:masterClrMapping/>
   </p:clrMapOvr>
-  <mc:AlternateContent xmlns:mc="http://schemas.openxmlformats.org/markup-compatibility/2006">
-    <mc:Choice xmlns:p14="http://schemas.microsoft.com/office/powerpoint/2010/main" Requires="p14">
+  <mc:AlternateContent xmlns:mc="http://schemas.openxmlformats.org/markup-compatibility/2006" xmlns:p14="http://schemas.microsoft.com/office/powerpoint/2010/main">
+    <mc:Choice Requires="p14">
       <p:transition p14:dur="300">
         <p:fade/>
       </p:transition>
     </mc:Choice>
-    <mc:Fallback>
+    <mc:Fallback xmlns="">
       <p:transition>
         <p:fade/>
       </p:transition>
@@ -12261,13 +12227,13 @@
   <p:clrMapOvr>
     <a:masterClrMapping/>
   </p:clrMapOvr>
-  <mc:AlternateContent xmlns:mc="http://schemas.openxmlformats.org/markup-compatibility/2006">
-    <mc:Choice xmlns:p14="http://schemas.microsoft.com/office/powerpoint/2010/main" Requires="p14">
+  <mc:AlternateContent xmlns:mc="http://schemas.openxmlformats.org/markup-compatibility/2006" xmlns:p14="http://schemas.microsoft.com/office/powerpoint/2010/main">
+    <mc:Choice Requires="p14">
       <p:transition p14:dur="300">
         <p:fade/>
       </p:transition>
     </mc:Choice>
-    <mc:Fallback>
+    <mc:Fallback xmlns="">
       <p:transition>
         <p:fade/>
       </p:transition>
@@ -12414,13 +12380,13 @@
   <p:clrMapOvr>
     <a:masterClrMapping/>
   </p:clrMapOvr>
-  <mc:AlternateContent xmlns:mc="http://schemas.openxmlformats.org/markup-compatibility/2006">
-    <mc:Choice xmlns:p14="http://schemas.microsoft.com/office/powerpoint/2010/main" Requires="p14">
+  <mc:AlternateContent xmlns:mc="http://schemas.openxmlformats.org/markup-compatibility/2006" xmlns:p14="http://schemas.microsoft.com/office/powerpoint/2010/main">
+    <mc:Choice Requires="p14">
       <p:transition p14:dur="300">
         <p:fade/>
       </p:transition>
     </mc:Choice>
-    <mc:Fallback>
+    <mc:Fallback xmlns="">
       <p:transition>
         <p:fade/>
       </p:transition>
@@ -12571,13 +12537,13 @@
   <p:clrMapOvr>
     <a:masterClrMapping/>
   </p:clrMapOvr>
-  <mc:AlternateContent xmlns:mc="http://schemas.openxmlformats.org/markup-compatibility/2006">
-    <mc:Choice xmlns:p14="http://schemas.microsoft.com/office/powerpoint/2010/main" Requires="p14">
+  <mc:AlternateContent xmlns:mc="http://schemas.openxmlformats.org/markup-compatibility/2006" xmlns:p14="http://schemas.microsoft.com/office/powerpoint/2010/main">
+    <mc:Choice Requires="p14">
       <p:transition p14:dur="300">
         <p:fade/>
       </p:transition>
     </mc:Choice>
-    <mc:Fallback>
+    <mc:Fallback xmlns="">
       <p:transition>
         <p:fade/>
       </p:transition>
@@ -12717,13 +12683,13 @@
   <p:clrMapOvr>
     <a:masterClrMapping/>
   </p:clrMapOvr>
-  <mc:AlternateContent xmlns:mc="http://schemas.openxmlformats.org/markup-compatibility/2006">
-    <mc:Choice xmlns:p14="http://schemas.microsoft.com/office/powerpoint/2010/main" Requires="p14">
+  <mc:AlternateContent xmlns:mc="http://schemas.openxmlformats.org/markup-compatibility/2006" xmlns:p14="http://schemas.microsoft.com/office/powerpoint/2010/main">
+    <mc:Choice Requires="p14">
       <p:transition p14:dur="300">
         <p:fade/>
       </p:transition>
     </mc:Choice>
-    <mc:Fallback>
+    <mc:Fallback xmlns="">
       <p:transition>
         <p:fade/>
       </p:transition>
@@ -12832,13 +12798,13 @@
   <p:clrMapOvr>
     <a:masterClrMapping/>
   </p:clrMapOvr>
-  <mc:AlternateContent xmlns:mc="http://schemas.openxmlformats.org/markup-compatibility/2006">
-    <mc:Choice xmlns:p14="http://schemas.microsoft.com/office/powerpoint/2010/main" Requires="p14">
+  <mc:AlternateContent xmlns:mc="http://schemas.openxmlformats.org/markup-compatibility/2006" xmlns:p14="http://schemas.microsoft.com/office/powerpoint/2010/main">
+    <mc:Choice Requires="p14">
       <p:transition p14:dur="300">
         <p:fade/>
       </p:transition>
     </mc:Choice>
-    <mc:Fallback>
+    <mc:Fallback xmlns="">
       <p:transition>
         <p:fade/>
       </p:transition>
@@ -13024,13 +12990,13 @@
   <p:clrMapOvr>
     <a:masterClrMapping/>
   </p:clrMapOvr>
-  <mc:AlternateContent xmlns:mc="http://schemas.openxmlformats.org/markup-compatibility/2006">
-    <mc:Choice xmlns:p14="http://schemas.microsoft.com/office/powerpoint/2010/main" Requires="p14">
+  <mc:AlternateContent xmlns:mc="http://schemas.openxmlformats.org/markup-compatibility/2006" xmlns:p14="http://schemas.microsoft.com/office/powerpoint/2010/main">
+    <mc:Choice Requires="p14">
       <p:transition p14:dur="300">
         <p:fade/>
       </p:transition>
     </mc:Choice>
-    <mc:Fallback>
+    <mc:Fallback xmlns="">
       <p:transition>
         <p:fade/>
       </p:transition>
@@ -13160,13 +13126,13 @@
   <p:clrMapOvr>
     <a:masterClrMapping/>
   </p:clrMapOvr>
-  <mc:AlternateContent xmlns:mc="http://schemas.openxmlformats.org/markup-compatibility/2006">
-    <mc:Choice xmlns:p14="http://schemas.microsoft.com/office/powerpoint/2010/main" Requires="p14">
+  <mc:AlternateContent xmlns:mc="http://schemas.openxmlformats.org/markup-compatibility/2006" xmlns:p14="http://schemas.microsoft.com/office/powerpoint/2010/main">
+    <mc:Choice Requires="p14">
       <p:transition p14:dur="300">
         <p:fade/>
       </p:transition>
     </mc:Choice>
-    <mc:Fallback>
+    <mc:Fallback xmlns="">
       <p:transition>
         <p:fade/>
       </p:transition>
@@ -13284,13 +13250,13 @@
   <p:clrMapOvr>
     <a:masterClrMapping/>
   </p:clrMapOvr>
-  <mc:AlternateContent xmlns:mc="http://schemas.openxmlformats.org/markup-compatibility/2006">
-    <mc:Choice xmlns:p14="http://schemas.microsoft.com/office/powerpoint/2010/main" Requires="p14">
+  <mc:AlternateContent xmlns:mc="http://schemas.openxmlformats.org/markup-compatibility/2006" xmlns:p14="http://schemas.microsoft.com/office/powerpoint/2010/main">
+    <mc:Choice Requires="p14">
       <p:transition p14:dur="300">
         <p:fade/>
       </p:transition>
     </mc:Choice>
-    <mc:Fallback>
+    <mc:Fallback xmlns="">
       <p:transition>
         <p:fade/>
       </p:transition>
@@ -13408,13 +13374,13 @@
   <p:clrMapOvr>
     <a:masterClrMapping/>
   </p:clrMapOvr>
-  <mc:AlternateContent xmlns:mc="http://schemas.openxmlformats.org/markup-compatibility/2006">
-    <mc:Choice xmlns:p14="http://schemas.microsoft.com/office/powerpoint/2010/main" Requires="p14">
+  <mc:AlternateContent xmlns:mc="http://schemas.openxmlformats.org/markup-compatibility/2006" xmlns:p14="http://schemas.microsoft.com/office/powerpoint/2010/main">
+    <mc:Choice Requires="p14">
       <p:transition p14:dur="300">
         <p:fade/>
       </p:transition>
     </mc:Choice>
-    <mc:Fallback>
+    <mc:Fallback xmlns="">
       <p:transition>
         <p:fade/>
       </p:transition>
